--- a/容我寧靜.pptx
+++ b/容我寧靜.pptx
@@ -6,7 +6,8 @@
   </p:sldMasterIdLst>
   <p:sldIdLst>
     <p:sldId id="256" r:id="rId2"/>
-    <p:sldId id="257" r:id="rId3"/>
+    <p:sldId id="258" r:id="rId3"/>
+    <p:sldId id="257" r:id="rId4"/>
   </p:sldIdLst>
   <p:sldSz cx="9144000" cy="6858000" type="screen4x3"/>
   <p:notesSz cx="6858000" cy="9144000"/>
@@ -289,7 +290,8 @@
           <a:p>
             <a:fld id="{E5595432-FB33-4E7B-BE27-1C70122E4CA3}" type="datetimeFigureOut">
               <a:rPr lang="zh-TW" altLang="en-US" smtClean="0"/>
-              <a:t>2017/7/30</a:t>
+              <a:pPr/>
+              <a:t>2019/11/19</a:t>
             </a:fld>
             <a:endParaRPr lang="zh-TW" altLang="en-US"/>
           </a:p>
@@ -331,6 +333,7 @@
           <a:p>
             <a:fld id="{5AABC02D-AA52-4B87-97BC-714FDE647974}" type="slidenum">
               <a:rPr lang="zh-TW" altLang="en-US" smtClean="0"/>
+              <a:pPr/>
               <a:t>‹#›</a:t>
             </a:fld>
             <a:endParaRPr lang="zh-TW" altLang="en-US"/>
@@ -454,7 +457,8 @@
           <a:p>
             <a:fld id="{E5595432-FB33-4E7B-BE27-1C70122E4CA3}" type="datetimeFigureOut">
               <a:rPr lang="zh-TW" altLang="en-US" smtClean="0"/>
-              <a:t>2017/7/30</a:t>
+              <a:pPr/>
+              <a:t>2019/11/19</a:t>
             </a:fld>
             <a:endParaRPr lang="zh-TW" altLang="en-US"/>
           </a:p>
@@ -496,6 +500,7 @@
           <a:p>
             <a:fld id="{5AABC02D-AA52-4B87-97BC-714FDE647974}" type="slidenum">
               <a:rPr lang="zh-TW" altLang="en-US" smtClean="0"/>
+              <a:pPr/>
               <a:t>‹#›</a:t>
             </a:fld>
             <a:endParaRPr lang="zh-TW" altLang="en-US"/>
@@ -629,7 +634,8 @@
           <a:p>
             <a:fld id="{E5595432-FB33-4E7B-BE27-1C70122E4CA3}" type="datetimeFigureOut">
               <a:rPr lang="zh-TW" altLang="en-US" smtClean="0"/>
-              <a:t>2017/7/30</a:t>
+              <a:pPr/>
+              <a:t>2019/11/19</a:t>
             </a:fld>
             <a:endParaRPr lang="zh-TW" altLang="en-US"/>
           </a:p>
@@ -671,6 +677,7 @@
           <a:p>
             <a:fld id="{5AABC02D-AA52-4B87-97BC-714FDE647974}" type="slidenum">
               <a:rPr lang="zh-TW" altLang="en-US" smtClean="0"/>
+              <a:pPr/>
               <a:t>‹#›</a:t>
             </a:fld>
             <a:endParaRPr lang="zh-TW" altLang="en-US"/>
@@ -794,7 +801,8 @@
           <a:p>
             <a:fld id="{E5595432-FB33-4E7B-BE27-1C70122E4CA3}" type="datetimeFigureOut">
               <a:rPr lang="zh-TW" altLang="en-US" smtClean="0"/>
-              <a:t>2017/7/30</a:t>
+              <a:pPr/>
+              <a:t>2019/11/19</a:t>
             </a:fld>
             <a:endParaRPr lang="zh-TW" altLang="en-US"/>
           </a:p>
@@ -836,6 +844,7 @@
           <a:p>
             <a:fld id="{5AABC02D-AA52-4B87-97BC-714FDE647974}" type="slidenum">
               <a:rPr lang="zh-TW" altLang="en-US" smtClean="0"/>
+              <a:pPr/>
               <a:t>‹#›</a:t>
             </a:fld>
             <a:endParaRPr lang="zh-TW" altLang="en-US"/>
@@ -1035,7 +1044,8 @@
           <a:p>
             <a:fld id="{E5595432-FB33-4E7B-BE27-1C70122E4CA3}" type="datetimeFigureOut">
               <a:rPr lang="zh-TW" altLang="en-US" smtClean="0"/>
-              <a:t>2017/7/30</a:t>
+              <a:pPr/>
+              <a:t>2019/11/19</a:t>
             </a:fld>
             <a:endParaRPr lang="zh-TW" altLang="en-US"/>
           </a:p>
@@ -1077,6 +1087,7 @@
           <a:p>
             <a:fld id="{5AABC02D-AA52-4B87-97BC-714FDE647974}" type="slidenum">
               <a:rPr lang="zh-TW" altLang="en-US" smtClean="0"/>
+              <a:pPr/>
               <a:t>‹#›</a:t>
             </a:fld>
             <a:endParaRPr lang="zh-TW" altLang="en-US"/>
@@ -1318,7 +1329,8 @@
           <a:p>
             <a:fld id="{E5595432-FB33-4E7B-BE27-1C70122E4CA3}" type="datetimeFigureOut">
               <a:rPr lang="zh-TW" altLang="en-US" smtClean="0"/>
-              <a:t>2017/7/30</a:t>
+              <a:pPr/>
+              <a:t>2019/11/19</a:t>
             </a:fld>
             <a:endParaRPr lang="zh-TW" altLang="en-US"/>
           </a:p>
@@ -1360,6 +1372,7 @@
           <a:p>
             <a:fld id="{5AABC02D-AA52-4B87-97BC-714FDE647974}" type="slidenum">
               <a:rPr lang="zh-TW" altLang="en-US" smtClean="0"/>
+              <a:pPr/>
               <a:t>‹#›</a:t>
             </a:fld>
             <a:endParaRPr lang="zh-TW" altLang="en-US"/>
@@ -1735,7 +1748,8 @@
           <a:p>
             <a:fld id="{E5595432-FB33-4E7B-BE27-1C70122E4CA3}" type="datetimeFigureOut">
               <a:rPr lang="zh-TW" altLang="en-US" smtClean="0"/>
-              <a:t>2017/7/30</a:t>
+              <a:pPr/>
+              <a:t>2019/11/19</a:t>
             </a:fld>
             <a:endParaRPr lang="zh-TW" altLang="en-US"/>
           </a:p>
@@ -1777,6 +1791,7 @@
           <a:p>
             <a:fld id="{5AABC02D-AA52-4B87-97BC-714FDE647974}" type="slidenum">
               <a:rPr lang="zh-TW" altLang="en-US" smtClean="0"/>
+              <a:pPr/>
               <a:t>‹#›</a:t>
             </a:fld>
             <a:endParaRPr lang="zh-TW" altLang="en-US"/>
@@ -1848,7 +1863,8 @@
           <a:p>
             <a:fld id="{E5595432-FB33-4E7B-BE27-1C70122E4CA3}" type="datetimeFigureOut">
               <a:rPr lang="zh-TW" altLang="en-US" smtClean="0"/>
-              <a:t>2017/7/30</a:t>
+              <a:pPr/>
+              <a:t>2019/11/19</a:t>
             </a:fld>
             <a:endParaRPr lang="zh-TW" altLang="en-US"/>
           </a:p>
@@ -1890,6 +1906,7 @@
           <a:p>
             <a:fld id="{5AABC02D-AA52-4B87-97BC-714FDE647974}" type="slidenum">
               <a:rPr lang="zh-TW" altLang="en-US" smtClean="0"/>
+              <a:pPr/>
               <a:t>‹#›</a:t>
             </a:fld>
             <a:endParaRPr lang="zh-TW" altLang="en-US"/>
@@ -1938,7 +1955,8 @@
           <a:p>
             <a:fld id="{E5595432-FB33-4E7B-BE27-1C70122E4CA3}" type="datetimeFigureOut">
               <a:rPr lang="zh-TW" altLang="en-US" smtClean="0"/>
-              <a:t>2017/7/30</a:t>
+              <a:pPr/>
+              <a:t>2019/11/19</a:t>
             </a:fld>
             <a:endParaRPr lang="zh-TW" altLang="en-US"/>
           </a:p>
@@ -1980,6 +1998,7 @@
           <a:p>
             <a:fld id="{5AABC02D-AA52-4B87-97BC-714FDE647974}" type="slidenum">
               <a:rPr lang="zh-TW" altLang="en-US" smtClean="0"/>
+              <a:pPr/>
               <a:t>‹#›</a:t>
             </a:fld>
             <a:endParaRPr lang="zh-TW" altLang="en-US"/>
@@ -2210,7 +2229,8 @@
           <a:p>
             <a:fld id="{E5595432-FB33-4E7B-BE27-1C70122E4CA3}" type="datetimeFigureOut">
               <a:rPr lang="zh-TW" altLang="en-US" smtClean="0"/>
-              <a:t>2017/7/30</a:t>
+              <a:pPr/>
+              <a:t>2019/11/19</a:t>
             </a:fld>
             <a:endParaRPr lang="zh-TW" altLang="en-US"/>
           </a:p>
@@ -2252,6 +2272,7 @@
           <a:p>
             <a:fld id="{5AABC02D-AA52-4B87-97BC-714FDE647974}" type="slidenum">
               <a:rPr lang="zh-TW" altLang="en-US" smtClean="0"/>
+              <a:pPr/>
               <a:t>‹#›</a:t>
             </a:fld>
             <a:endParaRPr lang="zh-TW" altLang="en-US"/>
@@ -2462,7 +2483,8 @@
           <a:p>
             <a:fld id="{E5595432-FB33-4E7B-BE27-1C70122E4CA3}" type="datetimeFigureOut">
               <a:rPr lang="zh-TW" altLang="en-US" smtClean="0"/>
-              <a:t>2017/7/30</a:t>
+              <a:pPr/>
+              <a:t>2019/11/19</a:t>
             </a:fld>
             <a:endParaRPr lang="zh-TW" altLang="en-US"/>
           </a:p>
@@ -2504,6 +2526,7 @@
           <a:p>
             <a:fld id="{5AABC02D-AA52-4B87-97BC-714FDE647974}" type="slidenum">
               <a:rPr lang="zh-TW" altLang="en-US" smtClean="0"/>
+              <a:pPr/>
               <a:t>‹#›</a:t>
             </a:fld>
             <a:endParaRPr lang="zh-TW" altLang="en-US"/>
@@ -2675,7 +2698,8 @@
           <a:p>
             <a:fld id="{E5595432-FB33-4E7B-BE27-1C70122E4CA3}" type="datetimeFigureOut">
               <a:rPr lang="zh-TW" altLang="en-US" smtClean="0"/>
-              <a:t>2017/7/30</a:t>
+              <a:pPr/>
+              <a:t>2019/11/19</a:t>
             </a:fld>
             <a:endParaRPr lang="zh-TW" altLang="en-US"/>
           </a:p>
@@ -2753,6 +2777,7 @@
           <a:p>
             <a:fld id="{5AABC02D-AA52-4B87-97BC-714FDE647974}" type="slidenum">
               <a:rPr lang="zh-TW" altLang="en-US" smtClean="0"/>
+              <a:pPr/>
               <a:t>‹#›</a:t>
             </a:fld>
             <a:endParaRPr lang="zh-TW" altLang="en-US"/>
@@ -3113,37 +3138,7 @@
                 <a:latin typeface="微軟正黑體" pitchFamily="34" charset="-120"/>
                 <a:ea typeface="微軟正黑體" pitchFamily="34" charset="-120"/>
               </a:rPr>
-              <a:t>晨曦</a:t>
-            </a:r>
-            <a:r>
-              <a:rPr lang="zh-TW" altLang="en-US" sz="5400" b="1" dirty="0" smtClean="0">
-                <a:solidFill>
-                  <a:srgbClr val="000066"/>
-                </a:solidFill>
-                <a:latin typeface="微軟正黑體" pitchFamily="34" charset="-120"/>
-                <a:ea typeface="微軟正黑體" pitchFamily="34" charset="-120"/>
-              </a:rPr>
-              <a:t>之中  我</a:t>
-            </a:r>
-            <a:r>
-              <a:rPr lang="zh-TW" altLang="en-US" sz="5400" b="1" dirty="0" smtClean="0">
-                <a:solidFill>
-                  <a:srgbClr val="000066"/>
-                </a:solidFill>
-                <a:latin typeface="微軟正黑體" pitchFamily="34" charset="-120"/>
-                <a:ea typeface="微軟正黑體" pitchFamily="34" charset="-120"/>
-              </a:rPr>
-              <a:t>尋求神</a:t>
-            </a:r>
-            <a:r>
-              <a:rPr lang="zh-TW" altLang="en-US" sz="5400" b="1" dirty="0" smtClean="0">
-                <a:solidFill>
-                  <a:srgbClr val="000066"/>
-                </a:solidFill>
-                <a:latin typeface="微軟正黑體" pitchFamily="34" charset="-120"/>
-                <a:ea typeface="微軟正黑體" pitchFamily="34" charset="-120"/>
-              </a:rPr>
-              <a:t>話語</a:t>
+              <a:t>晨曦之中  我尋求神話語</a:t>
             </a:r>
             <a:endParaRPr lang="en-US" altLang="zh-TW" sz="5400" b="1" dirty="0" smtClean="0">
               <a:solidFill>
@@ -3165,27 +3160,7 @@
                 <a:latin typeface="微軟正黑體" pitchFamily="34" charset="-120"/>
                 <a:ea typeface="微軟正黑體" pitchFamily="34" charset="-120"/>
               </a:rPr>
-              <a:t>每</a:t>
-            </a:r>
-            <a:r>
-              <a:rPr lang="zh-TW" altLang="en-US" sz="5400" b="1" dirty="0" smtClean="0">
-                <a:solidFill>
-                  <a:srgbClr val="000066"/>
-                </a:solidFill>
-                <a:latin typeface="微軟正黑體" pitchFamily="34" charset="-120"/>
-                <a:ea typeface="微軟正黑體" pitchFamily="34" charset="-120"/>
-              </a:rPr>
-              <a:t>分一刻感激主多愛</a:t>
-            </a:r>
-            <a:r>
-              <a:rPr lang="zh-TW" altLang="en-US" sz="5400" b="1" dirty="0" smtClean="0">
-                <a:solidFill>
-                  <a:srgbClr val="000066"/>
-                </a:solidFill>
-                <a:latin typeface="微軟正黑體" pitchFamily="34" charset="-120"/>
-                <a:ea typeface="微軟正黑體" pitchFamily="34" charset="-120"/>
-              </a:rPr>
-              <a:t>寵</a:t>
+              <a:t>每分一刻感激主多愛寵</a:t>
             </a:r>
             <a:endParaRPr lang="en-US" altLang="zh-TW" sz="5400" b="1" dirty="0" smtClean="0">
               <a:solidFill>
@@ -3207,27 +3182,7 @@
                 <a:latin typeface="微軟正黑體" pitchFamily="34" charset="-120"/>
                 <a:ea typeface="微軟正黑體" pitchFamily="34" charset="-120"/>
               </a:rPr>
-              <a:t>日光</a:t>
-            </a:r>
-            <a:r>
-              <a:rPr lang="zh-TW" altLang="en-US" sz="5400" b="1" dirty="0" smtClean="0">
-                <a:solidFill>
-                  <a:srgbClr val="000066"/>
-                </a:solidFill>
-                <a:latin typeface="微軟正黑體" pitchFamily="34" charset="-120"/>
-                <a:ea typeface="微軟正黑體" pitchFamily="34" charset="-120"/>
-              </a:rPr>
-              <a:t>之中人流離在多變世俗</a:t>
-            </a:r>
-            <a:r>
-              <a:rPr lang="zh-TW" altLang="en-US" sz="5400" b="1" dirty="0" smtClean="0">
-                <a:solidFill>
-                  <a:srgbClr val="000066"/>
-                </a:solidFill>
-                <a:latin typeface="微軟正黑體" pitchFamily="34" charset="-120"/>
-                <a:ea typeface="微軟正黑體" pitchFamily="34" charset="-120"/>
-              </a:rPr>
-              <a:t>裡</a:t>
+              <a:t>日光之中人流離在多變世俗裡</a:t>
             </a:r>
             <a:endParaRPr lang="en-US" altLang="zh-TW" sz="5400" b="1" dirty="0" smtClean="0">
               <a:solidFill>
@@ -3249,17 +3204,7 @@
                 <a:latin typeface="微軟正黑體" pitchFamily="34" charset="-120"/>
                 <a:ea typeface="微軟正黑體" pitchFamily="34" charset="-120"/>
               </a:rPr>
-              <a:t>啊聖靈  求</a:t>
-            </a:r>
-            <a:r>
-              <a:rPr lang="zh-TW" altLang="en-US" sz="5400" b="1" dirty="0" smtClean="0">
-                <a:solidFill>
-                  <a:srgbClr val="000066"/>
-                </a:solidFill>
-                <a:latin typeface="微軟正黑體" pitchFamily="34" charset="-120"/>
-                <a:ea typeface="微軟正黑體" pitchFamily="34" charset="-120"/>
-              </a:rPr>
-              <a:t>你引導我禱</a:t>
+              <a:t>啊聖靈  求你引導我禱</a:t>
             </a:r>
             <a:endParaRPr lang="zh-TW" altLang="en-US" sz="5400" b="1" dirty="0">
               <a:solidFill>
@@ -3389,6 +3334,41 @@
       </p:grpSpPr>
       <p:sp>
         <p:nvSpPr>
+          <p:cNvPr id="4" name="標題 3"/>
+          <p:cNvSpPr>
+            <a:spLocks noGrp="1"/>
+          </p:cNvSpPr>
+          <p:nvPr>
+            <p:ph type="title"/>
+          </p:nvPr>
+        </p:nvSpPr>
+        <p:spPr/>
+        <p:txBody>
+          <a:bodyPr/>
+          <a:lstStyle/>
+          <a:p>
+            <a:r>
+              <a:rPr lang="zh-TW" altLang="en-US" b="1" dirty="0" smtClean="0">
+                <a:solidFill>
+                  <a:srgbClr val="000066"/>
+                </a:solidFill>
+                <a:latin typeface="微軟正黑體" pitchFamily="34" charset="-120"/>
+                <a:ea typeface="微軟正黑體" pitchFamily="34" charset="-120"/>
+              </a:rPr>
+              <a:t>容我寧靜</a:t>
+            </a:r>
+            <a:endParaRPr lang="zh-TW" altLang="en-US" b="1" dirty="0">
+              <a:solidFill>
+                <a:srgbClr val="000066"/>
+              </a:solidFill>
+              <a:latin typeface="微軟正黑體" pitchFamily="34" charset="-120"/>
+              <a:ea typeface="微軟正黑體" pitchFamily="34" charset="-120"/>
+            </a:endParaRPr>
+          </a:p>
+        </p:txBody>
+      </p:sp>
+      <p:sp>
+        <p:nvSpPr>
           <p:cNvPr id="5" name="內容版面配置區 4"/>
           <p:cNvSpPr>
             <a:spLocks noGrp="1"/>
@@ -3399,8 +3379,8 @@
         </p:nvSpPr>
         <p:spPr>
           <a:xfrm>
-            <a:off x="0" y="260359"/>
-            <a:ext cx="9144000" cy="5954723"/>
+            <a:off x="0" y="1600200"/>
+            <a:ext cx="9144000" cy="4525963"/>
           </a:xfrm>
         </p:spPr>
         <p:txBody>
@@ -3420,37 +3400,7 @@
                 <a:latin typeface="微軟正黑體" pitchFamily="34" charset="-120"/>
                 <a:ea typeface="微軟正黑體" pitchFamily="34" charset="-120"/>
               </a:rPr>
-              <a:t>容我</a:t>
-            </a:r>
-            <a:r>
-              <a:rPr lang="zh-TW" altLang="en-US" sz="5400" b="1" dirty="0" smtClean="0">
-                <a:solidFill>
-                  <a:srgbClr val="000066"/>
-                </a:solidFill>
-                <a:latin typeface="微軟正黑體" pitchFamily="34" charset="-120"/>
-                <a:ea typeface="微軟正黑體" pitchFamily="34" charset="-120"/>
-              </a:rPr>
-              <a:t>寧靜  聽候</a:t>
-            </a:r>
-            <a:r>
-              <a:rPr lang="zh-TW" altLang="en-US" sz="5400" b="1" dirty="0" smtClean="0">
-                <a:solidFill>
-                  <a:srgbClr val="000066"/>
-                </a:solidFill>
-                <a:latin typeface="微軟正黑體" pitchFamily="34" charset="-120"/>
-                <a:ea typeface="微軟正黑體" pitchFamily="34" charset="-120"/>
-              </a:rPr>
-              <a:t>在你的</a:t>
-            </a:r>
-            <a:r>
-              <a:rPr lang="zh-TW" altLang="en-US" sz="5400" b="1" dirty="0" smtClean="0">
-                <a:solidFill>
-                  <a:srgbClr val="000066"/>
-                </a:solidFill>
-                <a:latin typeface="微軟正黑體" pitchFamily="34" charset="-120"/>
-                <a:ea typeface="微軟正黑體" pitchFamily="34" charset="-120"/>
-              </a:rPr>
-              <a:t>跟前</a:t>
+              <a:t>晨曦之中  我尋求神話語</a:t>
             </a:r>
             <a:endParaRPr lang="en-US" altLang="zh-TW" sz="5400" b="1" dirty="0" smtClean="0">
               <a:solidFill>
@@ -3472,8 +3422,20 @@
                 <a:latin typeface="微軟正黑體" pitchFamily="34" charset="-120"/>
                 <a:ea typeface="微軟正黑體" pitchFamily="34" charset="-120"/>
               </a:rPr>
-              <a:t>一心一意  願</a:t>
-            </a:r>
+              <a:t>每分一刻感激主多愛寵</a:t>
+            </a:r>
+            <a:endParaRPr lang="en-US" altLang="zh-TW" sz="5400" b="1" dirty="0" smtClean="0">
+              <a:solidFill>
+                <a:srgbClr val="000066"/>
+              </a:solidFill>
+              <a:latin typeface="微軟正黑體" pitchFamily="34" charset="-120"/>
+              <a:ea typeface="微軟正黑體" pitchFamily="34" charset="-120"/>
+            </a:endParaRPr>
+          </a:p>
+          <a:p>
+            <a:pPr algn="ctr">
+              <a:buNone/>
+            </a:pPr>
             <a:r>
               <a:rPr lang="zh-TW" altLang="en-US" sz="5400" b="1" dirty="0" smtClean="0">
                 <a:solidFill>
@@ -3482,8 +3444,20 @@
                 <a:latin typeface="微軟正黑體" pitchFamily="34" charset="-120"/>
                 <a:ea typeface="微軟正黑體" pitchFamily="34" charset="-120"/>
               </a:rPr>
-              <a:t>尋求你的</a:t>
-            </a:r>
+              <a:t>日光之中人流離在多變世俗裡</a:t>
+            </a:r>
+            <a:endParaRPr lang="en-US" altLang="zh-TW" sz="5400" b="1" dirty="0" smtClean="0">
+              <a:solidFill>
+                <a:srgbClr val="000066"/>
+              </a:solidFill>
+              <a:latin typeface="微軟正黑體" pitchFamily="34" charset="-120"/>
+              <a:ea typeface="微軟正黑體" pitchFamily="34" charset="-120"/>
+            </a:endParaRPr>
+          </a:p>
+          <a:p>
+            <a:pPr algn="ctr">
+              <a:buNone/>
+            </a:pPr>
             <a:r>
               <a:rPr lang="zh-TW" altLang="en-US" sz="5400" b="1" dirty="0" smtClean="0">
                 <a:solidFill>
@@ -3492,7 +3466,222 @@
                 <a:latin typeface="微軟正黑體" pitchFamily="34" charset="-120"/>
                 <a:ea typeface="微軟正黑體" pitchFamily="34" charset="-120"/>
               </a:rPr>
-              <a:t>旨意</a:t>
+              <a:t>啊聖靈  求你</a:t>
+            </a:r>
+            <a:r>
+              <a:rPr lang="zh-TW" altLang="en-US" sz="5400" b="1" dirty="0" smtClean="0">
+                <a:solidFill>
+                  <a:srgbClr val="000066"/>
+                </a:solidFill>
+                <a:latin typeface="微軟正黑體" pitchFamily="34" charset="-120"/>
+                <a:ea typeface="微軟正黑體" pitchFamily="34" charset="-120"/>
+              </a:rPr>
+              <a:t>引</a:t>
+            </a:r>
+            <a:r>
+              <a:rPr lang="zh-CN" altLang="en-US" sz="5400" b="1" dirty="0" smtClean="0">
+                <a:solidFill>
+                  <a:srgbClr val="000066"/>
+                </a:solidFill>
+                <a:latin typeface="微軟正黑體" pitchFamily="34" charset="-120"/>
+                <a:ea typeface="微軟正黑體" pitchFamily="34" charset="-120"/>
+              </a:rPr>
+              <a:t>潔淨我心</a:t>
+            </a:r>
+            <a:endParaRPr lang="en-US" altLang="zh-CN" sz="5400" b="1" dirty="0" smtClean="0">
+              <a:solidFill>
+                <a:srgbClr val="000066"/>
+              </a:solidFill>
+              <a:latin typeface="微軟正黑體" pitchFamily="34" charset="-120"/>
+              <a:ea typeface="微軟正黑體" pitchFamily="34" charset="-120"/>
+            </a:endParaRPr>
+          </a:p>
+          <a:p>
+            <a:pPr algn="ctr">
+              <a:buNone/>
+            </a:pPr>
+            <a:endParaRPr lang="zh-TW" altLang="en-US" sz="5400" b="1" dirty="0">
+              <a:solidFill>
+                <a:srgbClr val="000066"/>
+              </a:solidFill>
+              <a:latin typeface="微軟正黑體" pitchFamily="34" charset="-120"/>
+              <a:ea typeface="微軟正黑體" pitchFamily="34" charset="-120"/>
+            </a:endParaRPr>
+          </a:p>
+        </p:txBody>
+      </p:sp>
+      <p:sp>
+        <p:nvSpPr>
+          <p:cNvPr id="6" name="標題 3"/>
+          <p:cNvSpPr txBox="1">
+            <a:spLocks/>
+          </p:cNvSpPr>
+          <p:nvPr/>
+        </p:nvSpPr>
+        <p:spPr>
+          <a:xfrm>
+            <a:off x="0" y="6500834"/>
+            <a:ext cx="1357290" cy="357166"/>
+          </a:xfrm>
+          <a:prstGeom prst="rect">
+            <a:avLst/>
+          </a:prstGeom>
+        </p:spPr>
+        <p:txBody>
+          <a:bodyPr vert="horz" lIns="91440" tIns="45720" rIns="91440" bIns="45720" rtlCol="0" anchor="ctr">
+            <a:normAutofit/>
+          </a:bodyPr>
+          <a:lstStyle/>
+          <a:p>
+            <a:pPr marL="0" marR="0" lvl="0" indent="0" algn="ctr" defTabSz="914400" rtl="0" eaLnBrk="1" fontAlgn="auto" latinLnBrk="0" hangingPunct="1">
+              <a:lnSpc>
+                <a:spcPct val="100000"/>
+              </a:lnSpc>
+              <a:spcBef>
+                <a:spcPct val="0"/>
+              </a:spcBef>
+              <a:spcAft>
+                <a:spcPts val="0"/>
+              </a:spcAft>
+              <a:buClrTx/>
+              <a:buSzTx/>
+              <a:buFontTx/>
+              <a:buNone/>
+              <a:tabLst/>
+              <a:defRPr/>
+            </a:pPr>
+            <a:r>
+              <a:rPr kumimoji="0" lang="zh-TW" altLang="en-US" sz="1500" b="1" i="0" u="none" strike="noStrike" kern="1200" cap="none" spc="0" normalizeH="0" baseline="0" noProof="0" dirty="0" smtClean="0">
+                <a:ln>
+                  <a:noFill/>
+                </a:ln>
+                <a:solidFill>
+                  <a:srgbClr val="000066"/>
+                </a:solidFill>
+                <a:effectLst/>
+                <a:uLnTx/>
+                <a:uFillTx/>
+                <a:latin typeface="微軟正黑體" pitchFamily="34" charset="-120"/>
+                <a:ea typeface="微軟正黑體" pitchFamily="34" charset="-120"/>
+                <a:cs typeface="+mj-cs"/>
+              </a:rPr>
+              <a:t>容我寧靜</a:t>
+            </a:r>
+            <a:r>
+              <a:rPr kumimoji="0" lang="en-US" altLang="zh-CN" sz="1500" b="1" i="0" u="none" strike="noStrike" kern="1200" cap="none" spc="0" normalizeH="0" baseline="0" noProof="0" dirty="0" smtClean="0">
+                <a:ln>
+                  <a:noFill/>
+                </a:ln>
+                <a:solidFill>
+                  <a:srgbClr val="000066"/>
+                </a:solidFill>
+                <a:effectLst/>
+                <a:uLnTx/>
+                <a:uFillTx/>
+                <a:latin typeface="微軟正黑體" pitchFamily="34" charset="-120"/>
+                <a:ea typeface="微軟正黑體" pitchFamily="34" charset="-120"/>
+                <a:cs typeface="+mj-cs"/>
+              </a:rPr>
+              <a:t>1/2</a:t>
+            </a:r>
+            <a:endParaRPr kumimoji="0" lang="zh-TW" altLang="en-US" sz="1500" b="1" i="0" u="none" strike="noStrike" kern="1200" cap="none" spc="0" normalizeH="0" baseline="0" noProof="0" dirty="0">
+              <a:ln>
+                <a:noFill/>
+              </a:ln>
+              <a:solidFill>
+                <a:srgbClr val="000066"/>
+              </a:solidFill>
+              <a:effectLst/>
+              <a:uLnTx/>
+              <a:uFillTx/>
+              <a:latin typeface="微軟正黑體" pitchFamily="34" charset="-120"/>
+              <a:ea typeface="微軟正黑體" pitchFamily="34" charset="-120"/>
+              <a:cs typeface="+mj-cs"/>
+            </a:endParaRPr>
+          </a:p>
+        </p:txBody>
+      </p:sp>
+    </p:spTree>
+  </p:cSld>
+  <p:clrMapOvr>
+    <a:masterClrMapping/>
+  </p:clrMapOvr>
+</p:sld>
+</file>
+
+<file path=ppt/slides/slide3.xml><?xml version="1.0" encoding="utf-8"?>
+<p:sld xmlns:a="http://schemas.openxmlformats.org/drawingml/2006/main" xmlns:r="http://schemas.openxmlformats.org/officeDocument/2006/relationships" xmlns:p="http://schemas.openxmlformats.org/presentationml/2006/main">
+  <p:cSld>
+    <p:spTree>
+      <p:nvGrpSpPr>
+        <p:cNvPr id="1" name=""/>
+        <p:cNvGrpSpPr/>
+        <p:nvPr/>
+      </p:nvGrpSpPr>
+      <p:grpSpPr>
+        <a:xfrm>
+          <a:off x="0" y="0"/>
+          <a:ext cx="0" cy="0"/>
+          <a:chOff x="0" y="0"/>
+          <a:chExt cx="0" cy="0"/>
+        </a:xfrm>
+      </p:grpSpPr>
+      <p:sp>
+        <p:nvSpPr>
+          <p:cNvPr id="5" name="內容版面配置區 4"/>
+          <p:cNvSpPr>
+            <a:spLocks noGrp="1"/>
+          </p:cNvSpPr>
+          <p:nvPr>
+            <p:ph idx="1"/>
+          </p:nvPr>
+        </p:nvSpPr>
+        <p:spPr>
+          <a:xfrm>
+            <a:off x="0" y="260359"/>
+            <a:ext cx="9144000" cy="5954723"/>
+          </a:xfrm>
+        </p:spPr>
+        <p:txBody>
+          <a:bodyPr>
+            <a:noAutofit/>
+          </a:bodyPr>
+          <a:lstStyle/>
+          <a:p>
+            <a:pPr algn="ctr">
+              <a:buNone/>
+            </a:pPr>
+            <a:r>
+              <a:rPr lang="zh-TW" altLang="en-US" sz="5400" b="1" dirty="0" smtClean="0">
+                <a:solidFill>
+                  <a:srgbClr val="000066"/>
+                </a:solidFill>
+                <a:latin typeface="微軟正黑體" pitchFamily="34" charset="-120"/>
+                <a:ea typeface="微軟正黑體" pitchFamily="34" charset="-120"/>
+              </a:rPr>
+              <a:t>容我寧靜  聽候在你的跟前</a:t>
+            </a:r>
+            <a:endParaRPr lang="en-US" altLang="zh-TW" sz="5400" b="1" dirty="0" smtClean="0">
+              <a:solidFill>
+                <a:srgbClr val="000066"/>
+              </a:solidFill>
+              <a:latin typeface="微軟正黑體" pitchFamily="34" charset="-120"/>
+              <a:ea typeface="微軟正黑體" pitchFamily="34" charset="-120"/>
+            </a:endParaRPr>
+          </a:p>
+          <a:p>
+            <a:pPr algn="ctr">
+              <a:buNone/>
+            </a:pPr>
+            <a:r>
+              <a:rPr lang="zh-TW" altLang="en-US" sz="5400" b="1" dirty="0" smtClean="0">
+                <a:solidFill>
+                  <a:srgbClr val="000066"/>
+                </a:solidFill>
+                <a:latin typeface="微軟正黑體" pitchFamily="34" charset="-120"/>
+                <a:ea typeface="微軟正黑體" pitchFamily="34" charset="-120"/>
+              </a:rPr>
+              <a:t>一心一意  願尋求你的旨意</a:t>
             </a:r>
             <a:endParaRPr lang="en-US" altLang="zh-TW" sz="5400" b="1" dirty="0" smtClean="0">
               <a:solidFill>

--- a/容我寧靜.pptx
+++ b/容我寧靜.pptx
@@ -5,11 +5,14 @@
     <p:sldMasterId id="2147483660" r:id="rId1"/>
   </p:sldMasterIdLst>
   <p:sldIdLst>
-    <p:sldId id="256" r:id="rId2"/>
-    <p:sldId id="258" r:id="rId3"/>
-    <p:sldId id="257" r:id="rId4"/>
+    <p:sldId id="259" r:id="rId2"/>
+    <p:sldId id="260" r:id="rId3"/>
+    <p:sldId id="261" r:id="rId4"/>
+    <p:sldId id="262" r:id="rId5"/>
+    <p:sldId id="263" r:id="rId6"/>
+    <p:sldId id="264" r:id="rId7"/>
   </p:sldIdLst>
-  <p:sldSz cx="9144000" cy="6858000" type="screen4x3"/>
+  <p:sldSz cx="12192000" cy="6858000"/>
   <p:notesSz cx="6858000" cy="9144000"/>
   <p:defaultTextStyle>
     <a:defPPr>
@@ -106,6 +109,22 @@
       </a:defRPr>
     </a:lvl9pPr>
   </p:defaultTextStyle>
+  <p:extLst>
+    <p:ext uri="{EFAFB233-063F-42B5-8137-9DF3F51BA10A}">
+      <p15:sldGuideLst xmlns:p15="http://schemas.microsoft.com/office/powerpoint/2012/main">
+        <p15:guide id="1" orient="horz" pos="2160" userDrawn="1">
+          <p15:clr>
+            <a:srgbClr val="A4A3A4"/>
+          </p15:clr>
+        </p15:guide>
+        <p15:guide id="2" pos="3840" userDrawn="1">
+          <p15:clr>
+            <a:srgbClr val="A4A3A4"/>
+          </p15:clr>
+        </p15:guide>
+      </p15:sldGuideLst>
+    </p:ext>
+  </p:extLst>
 </p:presentation>
 </file>
 
@@ -138,8 +157,8 @@
         </p:nvSpPr>
         <p:spPr>
           <a:xfrm>
-            <a:off x="685800" y="2130425"/>
-            <a:ext cx="7772400" cy="1470025"/>
+            <a:off x="914400" y="2130426"/>
+            <a:ext cx="10363200" cy="1470025"/>
           </a:xfrm>
         </p:spPr>
         <p:txBody>
@@ -166,8 +185,8 @@
         </p:nvSpPr>
         <p:spPr>
           <a:xfrm>
-            <a:off x="1371600" y="3886200"/>
-            <a:ext cx="6400800" cy="1752600"/>
+            <a:off x="1828800" y="3886200"/>
+            <a:ext cx="8534400" cy="1752600"/>
           </a:xfrm>
         </p:spPr>
         <p:txBody>
@@ -291,7 +310,7 @@
             <a:fld id="{E5595432-FB33-4E7B-BE27-1C70122E4CA3}" type="datetimeFigureOut">
               <a:rPr lang="zh-TW" altLang="en-US" smtClean="0"/>
               <a:pPr/>
-              <a:t>2019/11/19</a:t>
+              <a:t>2022/3/23</a:t>
             </a:fld>
             <a:endParaRPr lang="zh-TW" altLang="en-US"/>
           </a:p>
@@ -458,7 +477,7 @@
             <a:fld id="{E5595432-FB33-4E7B-BE27-1C70122E4CA3}" type="datetimeFigureOut">
               <a:rPr lang="zh-TW" altLang="en-US" smtClean="0"/>
               <a:pPr/>
-              <a:t>2019/11/19</a:t>
+              <a:t>2022/3/23</a:t>
             </a:fld>
             <a:endParaRPr lang="zh-TW" altLang="en-US"/>
           </a:p>
@@ -544,8 +563,8 @@
         </p:nvSpPr>
         <p:spPr>
           <a:xfrm>
-            <a:off x="6629400" y="274638"/>
-            <a:ext cx="2057400" cy="5851525"/>
+            <a:off x="8839200" y="274639"/>
+            <a:ext cx="2743200" cy="5851525"/>
           </a:xfrm>
         </p:spPr>
         <p:txBody>
@@ -572,8 +591,8 @@
         </p:nvSpPr>
         <p:spPr>
           <a:xfrm>
-            <a:off x="457200" y="274638"/>
-            <a:ext cx="6019800" cy="5851525"/>
+            <a:off x="609600" y="274639"/>
+            <a:ext cx="8026400" cy="5851525"/>
           </a:xfrm>
         </p:spPr>
         <p:txBody>
@@ -635,7 +654,7 @@
             <a:fld id="{E5595432-FB33-4E7B-BE27-1C70122E4CA3}" type="datetimeFigureOut">
               <a:rPr lang="zh-TW" altLang="en-US" smtClean="0"/>
               <a:pPr/>
-              <a:t>2019/11/19</a:t>
+              <a:t>2022/3/23</a:t>
             </a:fld>
             <a:endParaRPr lang="zh-TW" altLang="en-US"/>
           </a:p>
@@ -802,7 +821,7 @@
             <a:fld id="{E5595432-FB33-4E7B-BE27-1C70122E4CA3}" type="datetimeFigureOut">
               <a:rPr lang="zh-TW" altLang="en-US" smtClean="0"/>
               <a:pPr/>
-              <a:t>2019/11/19</a:t>
+              <a:t>2022/3/23</a:t>
             </a:fld>
             <a:endParaRPr lang="zh-TW" altLang="en-US"/>
           </a:p>
@@ -888,8 +907,8 @@
         </p:nvSpPr>
         <p:spPr>
           <a:xfrm>
-            <a:off x="722313" y="4406900"/>
-            <a:ext cx="7772400" cy="1362075"/>
+            <a:off x="963084" y="4406901"/>
+            <a:ext cx="10363200" cy="1362075"/>
           </a:xfrm>
         </p:spPr>
         <p:txBody>
@@ -920,8 +939,8 @@
         </p:nvSpPr>
         <p:spPr>
           <a:xfrm>
-            <a:off x="722313" y="2906713"/>
-            <a:ext cx="7772400" cy="1500187"/>
+            <a:off x="963084" y="2906713"/>
+            <a:ext cx="10363200" cy="1500187"/>
           </a:xfrm>
         </p:spPr>
         <p:txBody>
@@ -1045,7 +1064,7 @@
             <a:fld id="{E5595432-FB33-4E7B-BE27-1C70122E4CA3}" type="datetimeFigureOut">
               <a:rPr lang="zh-TW" altLang="en-US" smtClean="0"/>
               <a:pPr/>
-              <a:t>2019/11/19</a:t>
+              <a:t>2022/3/23</a:t>
             </a:fld>
             <a:endParaRPr lang="zh-TW" altLang="en-US"/>
           </a:p>
@@ -1154,8 +1173,8 @@
         </p:nvSpPr>
         <p:spPr>
           <a:xfrm>
-            <a:off x="457200" y="1600200"/>
-            <a:ext cx="4038600" cy="4525963"/>
+            <a:off x="609600" y="1600201"/>
+            <a:ext cx="5384800" cy="4525963"/>
           </a:xfrm>
         </p:spPr>
         <p:txBody>
@@ -1239,8 +1258,8 @@
         </p:nvSpPr>
         <p:spPr>
           <a:xfrm>
-            <a:off x="4648200" y="1600200"/>
-            <a:ext cx="4038600" cy="4525963"/>
+            <a:off x="6197600" y="1600201"/>
+            <a:ext cx="5384800" cy="4525963"/>
           </a:xfrm>
         </p:spPr>
         <p:txBody>
@@ -1330,7 +1349,7 @@
             <a:fld id="{E5595432-FB33-4E7B-BE27-1C70122E4CA3}" type="datetimeFigureOut">
               <a:rPr lang="zh-TW" altLang="en-US" smtClean="0"/>
               <a:pPr/>
-              <a:t>2019/11/19</a:t>
+              <a:t>2022/3/23</a:t>
             </a:fld>
             <a:endParaRPr lang="zh-TW" altLang="en-US"/>
           </a:p>
@@ -1443,8 +1462,8 @@
         </p:nvSpPr>
         <p:spPr>
           <a:xfrm>
-            <a:off x="457200" y="1535113"/>
-            <a:ext cx="4040188" cy="639762"/>
+            <a:off x="609600" y="1535113"/>
+            <a:ext cx="5386917" cy="639762"/>
           </a:xfrm>
         </p:spPr>
         <p:txBody>
@@ -1508,8 +1527,8 @@
         </p:nvSpPr>
         <p:spPr>
           <a:xfrm>
-            <a:off x="457200" y="2174875"/>
-            <a:ext cx="4040188" cy="3951288"/>
+            <a:off x="609600" y="2174875"/>
+            <a:ext cx="5386917" cy="3951288"/>
           </a:xfrm>
         </p:spPr>
         <p:txBody>
@@ -1593,8 +1612,8 @@
         </p:nvSpPr>
         <p:spPr>
           <a:xfrm>
-            <a:off x="4645025" y="1535113"/>
-            <a:ext cx="4041775" cy="639762"/>
+            <a:off x="6193368" y="1535113"/>
+            <a:ext cx="5389033" cy="639762"/>
           </a:xfrm>
         </p:spPr>
         <p:txBody>
@@ -1658,8 +1677,8 @@
         </p:nvSpPr>
         <p:spPr>
           <a:xfrm>
-            <a:off x="4645025" y="2174875"/>
-            <a:ext cx="4041775" cy="3951288"/>
+            <a:off x="6193368" y="2174875"/>
+            <a:ext cx="5389033" cy="3951288"/>
           </a:xfrm>
         </p:spPr>
         <p:txBody>
@@ -1749,7 +1768,7 @@
             <a:fld id="{E5595432-FB33-4E7B-BE27-1C70122E4CA3}" type="datetimeFigureOut">
               <a:rPr lang="zh-TW" altLang="en-US" smtClean="0"/>
               <a:pPr/>
-              <a:t>2019/11/19</a:t>
+              <a:t>2022/3/23</a:t>
             </a:fld>
             <a:endParaRPr lang="zh-TW" altLang="en-US"/>
           </a:p>
@@ -1864,7 +1883,7 @@
             <a:fld id="{E5595432-FB33-4E7B-BE27-1C70122E4CA3}" type="datetimeFigureOut">
               <a:rPr lang="zh-TW" altLang="en-US" smtClean="0"/>
               <a:pPr/>
-              <a:t>2019/11/19</a:t>
+              <a:t>2022/3/23</a:t>
             </a:fld>
             <a:endParaRPr lang="zh-TW" altLang="en-US"/>
           </a:p>
@@ -1956,7 +1975,7 @@
             <a:fld id="{E5595432-FB33-4E7B-BE27-1C70122E4CA3}" type="datetimeFigureOut">
               <a:rPr lang="zh-TW" altLang="en-US" smtClean="0"/>
               <a:pPr/>
-              <a:t>2019/11/19</a:t>
+              <a:t>2022/3/23</a:t>
             </a:fld>
             <a:endParaRPr lang="zh-TW" altLang="en-US"/>
           </a:p>
@@ -2042,8 +2061,8 @@
         </p:nvSpPr>
         <p:spPr>
           <a:xfrm>
-            <a:off x="457200" y="273050"/>
-            <a:ext cx="3008313" cy="1162050"/>
+            <a:off x="609601" y="273050"/>
+            <a:ext cx="4011084" cy="1162050"/>
           </a:xfrm>
         </p:spPr>
         <p:txBody>
@@ -2074,8 +2093,8 @@
         </p:nvSpPr>
         <p:spPr>
           <a:xfrm>
-            <a:off x="3575050" y="273050"/>
-            <a:ext cx="5111750" cy="5853113"/>
+            <a:off x="4766733" y="273051"/>
+            <a:ext cx="6815667" cy="5853113"/>
           </a:xfrm>
         </p:spPr>
         <p:txBody>
@@ -2159,8 +2178,8 @@
         </p:nvSpPr>
         <p:spPr>
           <a:xfrm>
-            <a:off x="457200" y="1435100"/>
-            <a:ext cx="3008313" cy="4691063"/>
+            <a:off x="609601" y="1435101"/>
+            <a:ext cx="4011084" cy="4691063"/>
           </a:xfrm>
         </p:spPr>
         <p:txBody>
@@ -2230,7 +2249,7 @@
             <a:fld id="{E5595432-FB33-4E7B-BE27-1C70122E4CA3}" type="datetimeFigureOut">
               <a:rPr lang="zh-TW" altLang="en-US" smtClean="0"/>
               <a:pPr/>
-              <a:t>2019/11/19</a:t>
+              <a:t>2022/3/23</a:t>
             </a:fld>
             <a:endParaRPr lang="zh-TW" altLang="en-US"/>
           </a:p>
@@ -2316,8 +2335,8 @@
         </p:nvSpPr>
         <p:spPr>
           <a:xfrm>
-            <a:off x="1792288" y="4800600"/>
-            <a:ext cx="5486400" cy="566738"/>
+            <a:off x="2389717" y="4800600"/>
+            <a:ext cx="7315200" cy="566738"/>
           </a:xfrm>
         </p:spPr>
         <p:txBody>
@@ -2348,8 +2367,8 @@
         </p:nvSpPr>
         <p:spPr>
           <a:xfrm>
-            <a:off x="1792288" y="612775"/>
-            <a:ext cx="5486400" cy="4114800"/>
+            <a:off x="2389717" y="612775"/>
+            <a:ext cx="7315200" cy="4114800"/>
           </a:xfrm>
         </p:spPr>
         <p:txBody>
@@ -2413,8 +2432,8 @@
         </p:nvSpPr>
         <p:spPr>
           <a:xfrm>
-            <a:off x="1792288" y="5367338"/>
-            <a:ext cx="5486400" cy="804862"/>
+            <a:off x="2389717" y="5367338"/>
+            <a:ext cx="7315200" cy="804862"/>
           </a:xfrm>
         </p:spPr>
         <p:txBody>
@@ -2484,7 +2503,7 @@
             <a:fld id="{E5595432-FB33-4E7B-BE27-1C70122E4CA3}" type="datetimeFigureOut">
               <a:rPr lang="zh-TW" altLang="en-US" smtClean="0"/>
               <a:pPr/>
-              <a:t>2019/11/19</a:t>
+              <a:t>2022/3/23</a:t>
             </a:fld>
             <a:endParaRPr lang="zh-TW" altLang="en-US"/>
           </a:p>
@@ -2580,8 +2599,8 @@
         </p:nvSpPr>
         <p:spPr>
           <a:xfrm>
-            <a:off x="457200" y="274638"/>
-            <a:ext cx="8229600" cy="1143000"/>
+            <a:off x="609600" y="274638"/>
+            <a:ext cx="10972800" cy="1143000"/>
           </a:xfrm>
           <a:prstGeom prst="rect">
             <a:avLst/>
@@ -2613,8 +2632,8 @@
         </p:nvSpPr>
         <p:spPr>
           <a:xfrm>
-            <a:off x="457200" y="1600200"/>
-            <a:ext cx="8229600" cy="4525963"/>
+            <a:off x="609600" y="1600201"/>
+            <a:ext cx="10972800" cy="4525963"/>
           </a:xfrm>
           <a:prstGeom prst="rect">
             <a:avLst/>
@@ -2675,8 +2694,8 @@
         </p:nvSpPr>
         <p:spPr>
           <a:xfrm>
-            <a:off x="457200" y="6356350"/>
-            <a:ext cx="2133600" cy="365125"/>
+            <a:off x="609600" y="6356351"/>
+            <a:ext cx="2844800" cy="365125"/>
           </a:xfrm>
           <a:prstGeom prst="rect">
             <a:avLst/>
@@ -2699,7 +2718,7 @@
             <a:fld id="{E5595432-FB33-4E7B-BE27-1C70122E4CA3}" type="datetimeFigureOut">
               <a:rPr lang="zh-TW" altLang="en-US" smtClean="0"/>
               <a:pPr/>
-              <a:t>2019/11/19</a:t>
+              <a:t>2022/3/23</a:t>
             </a:fld>
             <a:endParaRPr lang="zh-TW" altLang="en-US"/>
           </a:p>
@@ -2717,8 +2736,8 @@
         </p:nvSpPr>
         <p:spPr>
           <a:xfrm>
-            <a:off x="3124200" y="6356350"/>
-            <a:ext cx="2895600" cy="365125"/>
+            <a:off x="4165600" y="6356351"/>
+            <a:ext cx="3860800" cy="365125"/>
           </a:xfrm>
           <a:prstGeom prst="rect">
             <a:avLst/>
@@ -2754,8 +2773,8 @@
         </p:nvSpPr>
         <p:spPr>
           <a:xfrm>
-            <a:off x="6553200" y="6356350"/>
-            <a:ext cx="2133600" cy="365125"/>
+            <a:off x="8737600" y="6356351"/>
+            <a:ext cx="2844800" cy="365125"/>
           </a:xfrm>
           <a:prstGeom prst="rect">
             <a:avLst/>
@@ -3080,45 +3099,10 @@
             <p:ph type="title"/>
           </p:nvPr>
         </p:nvSpPr>
-        <p:spPr/>
-        <p:txBody>
-          <a:bodyPr/>
-          <a:lstStyle/>
-          <a:p>
-            <a:r>
-              <a:rPr lang="zh-TW" altLang="en-US" b="1" dirty="0" smtClean="0">
-                <a:solidFill>
-                  <a:srgbClr val="000066"/>
-                </a:solidFill>
-                <a:latin typeface="微軟正黑體" pitchFamily="34" charset="-120"/>
-                <a:ea typeface="微軟正黑體" pitchFamily="34" charset="-120"/>
-              </a:rPr>
-              <a:t>容我寧靜</a:t>
-            </a:r>
-            <a:endParaRPr lang="zh-TW" altLang="en-US" b="1" dirty="0">
-              <a:solidFill>
-                <a:srgbClr val="000066"/>
-              </a:solidFill>
-              <a:latin typeface="微軟正黑體" pitchFamily="34" charset="-120"/>
-              <a:ea typeface="微軟正黑體" pitchFamily="34" charset="-120"/>
-            </a:endParaRPr>
-          </a:p>
-        </p:txBody>
-      </p:sp>
-      <p:sp>
-        <p:nvSpPr>
-          <p:cNvPr id="5" name="內容版面配置區 4"/>
-          <p:cNvSpPr>
-            <a:spLocks noGrp="1"/>
-          </p:cNvSpPr>
-          <p:nvPr>
-            <p:ph idx="1"/>
-          </p:nvPr>
-        </p:nvSpPr>
         <p:spPr>
           <a:xfrm>
-            <a:off x="0" y="1600200"/>
-            <a:ext cx="9144000" cy="4525963"/>
+            <a:off x="0" y="2660915"/>
+            <a:ext cx="12192000" cy="1143000"/>
           </a:xfrm>
         </p:spPr>
         <p:txBody>
@@ -3127,187 +3111,49 @@
           </a:bodyPr>
           <a:lstStyle/>
           <a:p>
-            <a:pPr algn="ctr">
-              <a:buNone/>
-            </a:pPr>
-            <a:r>
-              <a:rPr lang="zh-TW" altLang="en-US" sz="5400" b="1" dirty="0" smtClean="0">
-                <a:solidFill>
-                  <a:srgbClr val="000066"/>
-                </a:solidFill>
+            <a:r>
+              <a:rPr lang="zh-TW" altLang="en-US" sz="7200" b="1" i="1" dirty="0" smtClean="0">
+                <a:solidFill>
+                  <a:srgbClr val="000066"/>
+                </a:solidFill>
+                <a:effectLst>
+                  <a:outerShdw blurRad="38100" dist="38100" dir="2700000" algn="tl">
+                    <a:srgbClr val="000000">
+                      <a:alpha val="43137"/>
+                    </a:srgbClr>
+                  </a:outerShdw>
+                </a:effectLst>
                 <a:latin typeface="微軟正黑體" pitchFamily="34" charset="-120"/>
                 <a:ea typeface="微軟正黑體" pitchFamily="34" charset="-120"/>
               </a:rPr>
-              <a:t>晨曦之中  我尋求神話語</a:t>
-            </a:r>
-            <a:endParaRPr lang="en-US" altLang="zh-TW" sz="5400" b="1" dirty="0" smtClean="0">
-              <a:solidFill>
-                <a:srgbClr val="000066"/>
-              </a:solidFill>
-              <a:latin typeface="微軟正黑體" pitchFamily="34" charset="-120"/>
-              <a:ea typeface="微軟正黑體" pitchFamily="34" charset="-120"/>
-            </a:endParaRPr>
-          </a:p>
-          <a:p>
-            <a:pPr algn="ctr">
-              <a:buNone/>
-            </a:pPr>
-            <a:r>
-              <a:rPr lang="zh-TW" altLang="en-US" sz="5400" b="1" dirty="0" smtClean="0">
-                <a:solidFill>
-                  <a:srgbClr val="000066"/>
-                </a:solidFill>
+              <a:t>容</a:t>
+            </a:r>
+            <a:r>
+              <a:rPr lang="zh-TW" altLang="en-US" sz="7200" b="1" i="1" dirty="0">
+                <a:solidFill>
+                  <a:srgbClr val="000066"/>
+                </a:solidFill>
+                <a:effectLst>
+                  <a:outerShdw blurRad="38100" dist="38100" dir="2700000" algn="tl">
+                    <a:srgbClr val="000000">
+                      <a:alpha val="43137"/>
+                    </a:srgbClr>
+                  </a:outerShdw>
+                </a:effectLst>
                 <a:latin typeface="微軟正黑體" pitchFamily="34" charset="-120"/>
                 <a:ea typeface="微軟正黑體" pitchFamily="34" charset="-120"/>
               </a:rPr>
-              <a:t>每分一刻感激主多愛寵</a:t>
-            </a:r>
-            <a:endParaRPr lang="en-US" altLang="zh-TW" sz="5400" b="1" dirty="0" smtClean="0">
-              <a:solidFill>
-                <a:srgbClr val="000066"/>
-              </a:solidFill>
-              <a:latin typeface="微軟正黑體" pitchFamily="34" charset="-120"/>
-              <a:ea typeface="微軟正黑體" pitchFamily="34" charset="-120"/>
-            </a:endParaRPr>
-          </a:p>
-          <a:p>
-            <a:pPr algn="ctr">
-              <a:buNone/>
-            </a:pPr>
-            <a:r>
-              <a:rPr lang="zh-TW" altLang="en-US" sz="5400" b="1" dirty="0" smtClean="0">
-                <a:solidFill>
-                  <a:srgbClr val="000066"/>
-                </a:solidFill>
-                <a:latin typeface="微軟正黑體" pitchFamily="34" charset="-120"/>
-                <a:ea typeface="微軟正黑體" pitchFamily="34" charset="-120"/>
-              </a:rPr>
-              <a:t>日光之中人流離在多變世俗裡</a:t>
-            </a:r>
-            <a:endParaRPr lang="en-US" altLang="zh-TW" sz="5400" b="1" dirty="0" smtClean="0">
-              <a:solidFill>
-                <a:srgbClr val="000066"/>
-              </a:solidFill>
-              <a:latin typeface="微軟正黑體" pitchFamily="34" charset="-120"/>
-              <a:ea typeface="微軟正黑體" pitchFamily="34" charset="-120"/>
-            </a:endParaRPr>
-          </a:p>
-          <a:p>
-            <a:pPr algn="ctr">
-              <a:buNone/>
-            </a:pPr>
-            <a:r>
-              <a:rPr lang="zh-TW" altLang="en-US" sz="5400" b="1" dirty="0" smtClean="0">
-                <a:solidFill>
-                  <a:srgbClr val="000066"/>
-                </a:solidFill>
-                <a:latin typeface="微軟正黑體" pitchFamily="34" charset="-120"/>
-                <a:ea typeface="微軟正黑體" pitchFamily="34" charset="-120"/>
-              </a:rPr>
-              <a:t>啊聖靈  求你引導我禱</a:t>
-            </a:r>
-            <a:endParaRPr lang="zh-TW" altLang="en-US" sz="5400" b="1" dirty="0">
-              <a:solidFill>
-                <a:srgbClr val="000066"/>
-              </a:solidFill>
-              <a:latin typeface="微軟正黑體" pitchFamily="34" charset="-120"/>
-              <a:ea typeface="微軟正黑體" pitchFamily="34" charset="-120"/>
-            </a:endParaRPr>
-          </a:p>
-        </p:txBody>
-      </p:sp>
-      <p:sp>
-        <p:nvSpPr>
-          <p:cNvPr id="6" name="標題 3"/>
-          <p:cNvSpPr txBox="1">
-            <a:spLocks/>
-          </p:cNvSpPr>
-          <p:nvPr/>
-        </p:nvSpPr>
-        <p:spPr>
-          <a:xfrm>
-            <a:off x="0" y="6500834"/>
-            <a:ext cx="1357290" cy="357166"/>
-          </a:xfrm>
-          <a:prstGeom prst="rect">
-            <a:avLst/>
-          </a:prstGeom>
-        </p:spPr>
-        <p:txBody>
-          <a:bodyPr vert="horz" lIns="91440" tIns="45720" rIns="91440" bIns="45720" rtlCol="0" anchor="ctr">
-            <a:normAutofit/>
-          </a:bodyPr>
-          <a:lstStyle/>
-          <a:p>
-            <a:pPr marL="0" marR="0" lvl="0" indent="0" algn="ctr" defTabSz="914400" rtl="0" eaLnBrk="1" fontAlgn="auto" latinLnBrk="0" hangingPunct="1">
-              <a:lnSpc>
-                <a:spcPct val="100000"/>
-              </a:lnSpc>
-              <a:spcBef>
-                <a:spcPct val="0"/>
-              </a:spcBef>
-              <a:spcAft>
-                <a:spcPts val="0"/>
-              </a:spcAft>
-              <a:buClrTx/>
-              <a:buSzTx/>
-              <a:buFontTx/>
-              <a:buNone/>
-              <a:tabLst/>
-              <a:defRPr/>
-            </a:pPr>
-            <a:r>
-              <a:rPr kumimoji="0" lang="zh-TW" altLang="en-US" sz="1500" b="1" i="0" u="none" strike="noStrike" kern="1200" cap="none" spc="0" normalizeH="0" baseline="0" noProof="0" dirty="0" smtClean="0">
-                <a:ln>
-                  <a:noFill/>
-                </a:ln>
-                <a:solidFill>
-                  <a:srgbClr val="000066"/>
-                </a:solidFill>
-                <a:effectLst/>
-                <a:uLnTx/>
-                <a:uFillTx/>
-                <a:latin typeface="微軟正黑體" pitchFamily="34" charset="-120"/>
-                <a:ea typeface="微軟正黑體" pitchFamily="34" charset="-120"/>
-                <a:cs typeface="+mj-cs"/>
-              </a:rPr>
-              <a:t>容我寧靜</a:t>
-            </a:r>
-            <a:r>
-              <a:rPr kumimoji="0" lang="en-US" altLang="zh-CN" sz="1500" b="1" i="0" u="none" strike="noStrike" kern="1200" cap="none" spc="0" normalizeH="0" baseline="0" noProof="0" dirty="0" smtClean="0">
-                <a:ln>
-                  <a:noFill/>
-                </a:ln>
-                <a:solidFill>
-                  <a:srgbClr val="000066"/>
-                </a:solidFill>
-                <a:effectLst/>
-                <a:uLnTx/>
-                <a:uFillTx/>
-                <a:latin typeface="微軟正黑體" pitchFamily="34" charset="-120"/>
-                <a:ea typeface="微軟正黑體" pitchFamily="34" charset="-120"/>
-                <a:cs typeface="+mj-cs"/>
-              </a:rPr>
-              <a:t>1/2</a:t>
-            </a:r>
-            <a:endParaRPr kumimoji="0" lang="zh-TW" altLang="en-US" sz="1500" b="1" i="0" u="none" strike="noStrike" kern="1200" cap="none" spc="0" normalizeH="0" baseline="0" noProof="0" dirty="0">
-              <a:ln>
-                <a:noFill/>
-              </a:ln>
-              <a:solidFill>
-                <a:srgbClr val="000066"/>
-              </a:solidFill>
-              <a:effectLst/>
-              <a:uLnTx/>
-              <a:uFillTx/>
-              <a:latin typeface="微軟正黑體" pitchFamily="34" charset="-120"/>
-              <a:ea typeface="微軟正黑體" pitchFamily="34" charset="-120"/>
-              <a:cs typeface="+mj-cs"/>
-            </a:endParaRPr>
+              <a:t>我寧靜</a:t>
+            </a:r>
           </a:p>
         </p:txBody>
       </p:sp>
     </p:spTree>
+    <p:extLst>
+      <p:ext uri="{BB962C8B-B14F-4D97-AF65-F5344CB8AC3E}">
+        <p14:creationId xmlns:p14="http://schemas.microsoft.com/office/powerpoint/2010/main" val="1459582575"/>
+      </p:ext>
+    </p:extLst>
   </p:cSld>
   <p:clrMapOvr>
     <a:masterClrMapping/>
@@ -3334,30 +3180,40 @@
       </p:grpSpPr>
       <p:sp>
         <p:nvSpPr>
-          <p:cNvPr id="4" name="標題 3"/>
-          <p:cNvSpPr>
-            <a:spLocks noGrp="1"/>
-          </p:cNvSpPr>
-          <p:nvPr>
-            <p:ph type="title"/>
-          </p:nvPr>
-        </p:nvSpPr>
-        <p:spPr/>
-        <p:txBody>
-          <a:bodyPr/>
-          <a:lstStyle/>
-          <a:p>
-            <a:r>
-              <a:rPr lang="zh-TW" altLang="en-US" b="1" dirty="0" smtClean="0">
+          <p:cNvPr id="5" name="內容版面配置區 4"/>
+          <p:cNvSpPr>
+            <a:spLocks noGrp="1"/>
+          </p:cNvSpPr>
+          <p:nvPr>
+            <p:ph idx="1"/>
+          </p:nvPr>
+        </p:nvSpPr>
+        <p:spPr>
+          <a:xfrm>
+            <a:off x="0" y="2084851"/>
+            <a:ext cx="12192000" cy="2404863"/>
+          </a:xfrm>
+        </p:spPr>
+        <p:txBody>
+          <a:bodyPr anchor="ctr">
+            <a:normAutofit/>
+          </a:bodyPr>
+          <a:lstStyle/>
+          <a:p>
+            <a:pPr algn="ctr">
+              <a:buNone/>
+            </a:pPr>
+            <a:r>
+              <a:rPr lang="zh-TW" altLang="en-US" sz="6400" b="1" dirty="0">
                 <a:solidFill>
                   <a:srgbClr val="000066"/>
                 </a:solidFill>
                 <a:latin typeface="微軟正黑體" pitchFamily="34" charset="-120"/>
                 <a:ea typeface="微軟正黑體" pitchFamily="34" charset="-120"/>
               </a:rPr>
-              <a:t>容我寧靜</a:t>
-            </a:r>
-            <a:endParaRPr lang="zh-TW" altLang="en-US" b="1" dirty="0">
+              <a:t>晨曦之中  我尋求神話語</a:t>
+            </a:r>
+            <a:endParaRPr lang="en-US" altLang="zh-TW" sz="6400" b="1" dirty="0">
               <a:solidFill>
                 <a:srgbClr val="000066"/>
               </a:solidFill>
@@ -3365,44 +3221,21 @@
               <a:ea typeface="微軟正黑體" pitchFamily="34" charset="-120"/>
             </a:endParaRPr>
           </a:p>
-        </p:txBody>
-      </p:sp>
-      <p:sp>
-        <p:nvSpPr>
-          <p:cNvPr id="5" name="內容版面配置區 4"/>
-          <p:cNvSpPr>
-            <a:spLocks noGrp="1"/>
-          </p:cNvSpPr>
-          <p:nvPr>
-            <p:ph idx="1"/>
-          </p:nvPr>
-        </p:nvSpPr>
-        <p:spPr>
-          <a:xfrm>
-            <a:off x="0" y="1600200"/>
-            <a:ext cx="9144000" cy="4525963"/>
-          </a:xfrm>
-        </p:spPr>
-        <p:txBody>
-          <a:bodyPr>
-            <a:noAutofit/>
-          </a:bodyPr>
-          <a:lstStyle/>
           <a:p>
             <a:pPr algn="ctr">
               <a:buNone/>
             </a:pPr>
             <a:r>
-              <a:rPr lang="zh-TW" altLang="en-US" sz="5400" b="1" dirty="0" smtClean="0">
+              <a:rPr lang="zh-TW" altLang="en-US" sz="6400" b="1" dirty="0">
                 <a:solidFill>
                   <a:srgbClr val="000066"/>
                 </a:solidFill>
                 <a:latin typeface="微軟正黑體" pitchFamily="34" charset="-120"/>
                 <a:ea typeface="微軟正黑體" pitchFamily="34" charset="-120"/>
               </a:rPr>
-              <a:t>晨曦之中  我尋求神話語</a:t>
-            </a:r>
-            <a:endParaRPr lang="en-US" altLang="zh-TW" sz="5400" b="1" dirty="0" smtClean="0">
+              <a:t>每分一刻感激主多愛寵</a:t>
+            </a:r>
+            <a:endParaRPr lang="en-US" altLang="zh-TW" sz="6400" b="1" dirty="0">
               <a:solidFill>
                 <a:srgbClr val="000066"/>
               </a:solidFill>
@@ -3410,198 +3243,76 @@
               <a:ea typeface="微軟正黑體" pitchFamily="34" charset="-120"/>
             </a:endParaRPr>
           </a:p>
-          <a:p>
-            <a:pPr algn="ctr">
-              <a:buNone/>
-            </a:pPr>
-            <a:r>
-              <a:rPr lang="zh-TW" altLang="en-US" sz="5400" b="1" dirty="0" smtClean="0">
-                <a:solidFill>
-                  <a:srgbClr val="000066"/>
-                </a:solidFill>
-                <a:latin typeface="微軟正黑體" pitchFamily="34" charset="-120"/>
-                <a:ea typeface="微軟正黑體" pitchFamily="34" charset="-120"/>
-              </a:rPr>
-              <a:t>每分一刻感激主多愛寵</a:t>
-            </a:r>
-            <a:endParaRPr lang="en-US" altLang="zh-TW" sz="5400" b="1" dirty="0" smtClean="0">
-              <a:solidFill>
-                <a:srgbClr val="000066"/>
-              </a:solidFill>
-              <a:latin typeface="微軟正黑體" pitchFamily="34" charset="-120"/>
-              <a:ea typeface="微軟正黑體" pitchFamily="34" charset="-120"/>
-            </a:endParaRPr>
-          </a:p>
-          <a:p>
-            <a:pPr algn="ctr">
-              <a:buNone/>
-            </a:pPr>
-            <a:r>
-              <a:rPr lang="zh-TW" altLang="en-US" sz="5400" b="1" dirty="0" smtClean="0">
-                <a:solidFill>
-                  <a:srgbClr val="000066"/>
-                </a:solidFill>
-                <a:latin typeface="微軟正黑體" pitchFamily="34" charset="-120"/>
-                <a:ea typeface="微軟正黑體" pitchFamily="34" charset="-120"/>
-              </a:rPr>
-              <a:t>日光之中人流離在多變世俗裡</a:t>
-            </a:r>
-            <a:endParaRPr lang="en-US" altLang="zh-TW" sz="5400" b="1" dirty="0" smtClean="0">
-              <a:solidFill>
-                <a:srgbClr val="000066"/>
-              </a:solidFill>
-              <a:latin typeface="微軟正黑體" pitchFamily="34" charset="-120"/>
-              <a:ea typeface="微軟正黑體" pitchFamily="34" charset="-120"/>
-            </a:endParaRPr>
-          </a:p>
-          <a:p>
-            <a:pPr algn="ctr">
-              <a:buNone/>
-            </a:pPr>
-            <a:r>
-              <a:rPr lang="zh-TW" altLang="en-US" sz="5400" b="1" dirty="0" smtClean="0">
-                <a:solidFill>
-                  <a:srgbClr val="000066"/>
-                </a:solidFill>
-                <a:latin typeface="微軟正黑體" pitchFamily="34" charset="-120"/>
-                <a:ea typeface="微軟正黑體" pitchFamily="34" charset="-120"/>
-              </a:rPr>
-              <a:t>啊聖靈  求你</a:t>
-            </a:r>
-            <a:r>
-              <a:rPr lang="zh-TW" altLang="en-US" sz="5400" b="1" dirty="0" smtClean="0">
-                <a:solidFill>
-                  <a:srgbClr val="000066"/>
-                </a:solidFill>
-                <a:latin typeface="微軟正黑體" pitchFamily="34" charset="-120"/>
-                <a:ea typeface="微軟正黑體" pitchFamily="34" charset="-120"/>
-              </a:rPr>
-              <a:t>引</a:t>
-            </a:r>
-            <a:r>
-              <a:rPr lang="zh-CN" altLang="en-US" sz="5400" b="1" dirty="0" smtClean="0">
-                <a:solidFill>
-                  <a:srgbClr val="000066"/>
-                </a:solidFill>
-                <a:latin typeface="微軟正黑體" pitchFamily="34" charset="-120"/>
-                <a:ea typeface="微軟正黑體" pitchFamily="34" charset="-120"/>
-              </a:rPr>
-              <a:t>潔淨我心</a:t>
-            </a:r>
-            <a:endParaRPr lang="en-US" altLang="zh-CN" sz="5400" b="1" dirty="0" smtClean="0">
-              <a:solidFill>
-                <a:srgbClr val="000066"/>
-              </a:solidFill>
-              <a:latin typeface="微軟正黑體" pitchFamily="34" charset="-120"/>
-              <a:ea typeface="微軟正黑體" pitchFamily="34" charset="-120"/>
-            </a:endParaRPr>
-          </a:p>
-          <a:p>
-            <a:pPr algn="ctr">
-              <a:buNone/>
-            </a:pPr>
-            <a:endParaRPr lang="zh-TW" altLang="en-US" sz="5400" b="1" dirty="0">
-              <a:solidFill>
-                <a:srgbClr val="000066"/>
-              </a:solidFill>
-              <a:latin typeface="微軟正黑體" pitchFamily="34" charset="-120"/>
-              <a:ea typeface="微軟正黑體" pitchFamily="34" charset="-120"/>
-            </a:endParaRPr>
-          </a:p>
-        </p:txBody>
-      </p:sp>
-      <p:sp>
-        <p:nvSpPr>
-          <p:cNvPr id="6" name="標題 3"/>
-          <p:cNvSpPr txBox="1">
-            <a:spLocks/>
-          </p:cNvSpPr>
+        </p:txBody>
+      </p:sp>
+      <p:sp>
+        <p:nvSpPr>
+          <p:cNvPr id="2" name="TextBox 1"/>
+          <p:cNvSpPr txBox="1"/>
           <p:nvPr/>
         </p:nvSpPr>
         <p:spPr>
           <a:xfrm>
-            <a:off x="0" y="6500834"/>
-            <a:ext cx="1357290" cy="357166"/>
+            <a:off x="0" y="5158596"/>
+            <a:ext cx="12192000" cy="769441"/>
           </a:xfrm>
           <a:prstGeom prst="rect">
             <a:avLst/>
           </a:prstGeom>
+          <a:noFill/>
         </p:spPr>
         <p:txBody>
-          <a:bodyPr vert="horz" lIns="91440" tIns="45720" rIns="91440" bIns="45720" rtlCol="0" anchor="ctr">
-            <a:normAutofit/>
+          <a:bodyPr wrap="square" rtlCol="0">
+            <a:spAutoFit/>
           </a:bodyPr>
           <a:lstStyle/>
           <a:p>
-            <a:pPr marL="0" marR="0" lvl="0" indent="0" algn="ctr" defTabSz="914400" rtl="0" eaLnBrk="1" fontAlgn="auto" latinLnBrk="0" hangingPunct="1">
-              <a:lnSpc>
-                <a:spcPct val="100000"/>
-              </a:lnSpc>
-              <a:spcBef>
-                <a:spcPct val="0"/>
-              </a:spcBef>
-              <a:spcAft>
-                <a:spcPts val="0"/>
-              </a:spcAft>
-              <a:buClrTx/>
-              <a:buSzTx/>
-              <a:buFontTx/>
-              <a:buNone/>
-              <a:tabLst/>
-              <a:defRPr/>
-            </a:pPr>
-            <a:r>
-              <a:rPr kumimoji="0" lang="zh-TW" altLang="en-US" sz="1500" b="1" i="0" u="none" strike="noStrike" kern="1200" cap="none" spc="0" normalizeH="0" baseline="0" noProof="0" dirty="0" smtClean="0">
-                <a:ln>
-                  <a:noFill/>
-                </a:ln>
-                <a:solidFill>
-                  <a:srgbClr val="000066"/>
-                </a:solidFill>
-                <a:effectLst/>
-                <a:uLnTx/>
-                <a:uFillTx/>
-                <a:latin typeface="微軟正黑體" pitchFamily="34" charset="-120"/>
-                <a:ea typeface="微軟正黑體" pitchFamily="34" charset="-120"/>
-                <a:cs typeface="+mj-cs"/>
-              </a:rPr>
-              <a:t>容我寧靜</a:t>
-            </a:r>
-            <a:r>
-              <a:rPr kumimoji="0" lang="en-US" altLang="zh-CN" sz="1500" b="1" i="0" u="none" strike="noStrike" kern="1200" cap="none" spc="0" normalizeH="0" baseline="0" noProof="0" dirty="0" smtClean="0">
-                <a:ln>
-                  <a:noFill/>
-                </a:ln>
-                <a:solidFill>
-                  <a:srgbClr val="000066"/>
-                </a:solidFill>
-                <a:effectLst/>
-                <a:uLnTx/>
-                <a:uFillTx/>
-                <a:latin typeface="微軟正黑體" pitchFamily="34" charset="-120"/>
-                <a:ea typeface="微軟正黑體" pitchFamily="34" charset="-120"/>
-                <a:cs typeface="+mj-cs"/>
-              </a:rPr>
-              <a:t>1/2</a:t>
-            </a:r>
-            <a:endParaRPr kumimoji="0" lang="zh-TW" altLang="en-US" sz="1500" b="1" i="0" u="none" strike="noStrike" kern="1200" cap="none" spc="0" normalizeH="0" baseline="0" noProof="0" dirty="0">
-              <a:ln>
-                <a:noFill/>
-              </a:ln>
+            <a:pPr algn="ctr"/>
+            <a:r>
+              <a:rPr lang="en-US" sz="4400" b="1" dirty="0" smtClean="0">
+                <a:solidFill>
+                  <a:srgbClr val="000066"/>
+                </a:solidFill>
+                <a:latin typeface="Microsoft JhengHei" panose="020B0604030504040204" pitchFamily="34" charset="-120"/>
+                <a:ea typeface="Microsoft JhengHei" panose="020B0604030504040204" pitchFamily="34" charset="-120"/>
+              </a:rPr>
+              <a:t>( </a:t>
+            </a:r>
+            <a:r>
+              <a:rPr lang="zh-CN" altLang="en-US" sz="4400" b="1" dirty="0" smtClean="0">
+                <a:solidFill>
+                  <a:srgbClr val="000066"/>
+                </a:solidFill>
+                <a:latin typeface="Microsoft JhengHei" panose="020B0604030504040204" pitchFamily="34" charset="-120"/>
+                <a:ea typeface="Microsoft JhengHei" panose="020B0604030504040204" pitchFamily="34" charset="-120"/>
+              </a:rPr>
+              <a:t>正 </a:t>
+            </a:r>
+            <a:r>
+              <a:rPr lang="en-US" sz="4400" b="1" dirty="0" smtClean="0">
+                <a:solidFill>
+                  <a:srgbClr val="000066"/>
+                </a:solidFill>
+                <a:latin typeface="Microsoft JhengHei" panose="020B0604030504040204" pitchFamily="34" charset="-120"/>
+                <a:ea typeface="Microsoft JhengHei" panose="020B0604030504040204" pitchFamily="34" charset="-120"/>
+              </a:rPr>
+              <a:t>)</a:t>
+            </a:r>
+            <a:endParaRPr lang="vi-VN" sz="4400" b="1" dirty="0">
               <a:solidFill>
                 <a:srgbClr val="000066"/>
               </a:solidFill>
-              <a:effectLst/>
-              <a:uLnTx/>
-              <a:uFillTx/>
-              <a:latin typeface="微軟正黑體" pitchFamily="34" charset="-120"/>
-              <a:ea typeface="微軟正黑體" pitchFamily="34" charset="-120"/>
-              <a:cs typeface="+mj-cs"/>
+              <a:ea typeface="Microsoft JhengHei" panose="020B0604030504040204" pitchFamily="34" charset="-120"/>
             </a:endParaRPr>
           </a:p>
         </p:txBody>
       </p:sp>
     </p:spTree>
+    <p:extLst>
+      <p:ext uri="{BB962C8B-B14F-4D97-AF65-F5344CB8AC3E}">
+        <p14:creationId xmlns:p14="http://schemas.microsoft.com/office/powerpoint/2010/main" val="982287257"/>
+      </p:ext>
+    </p:extLst>
   </p:cSld>
   <p:clrMapOvr>
     <a:masterClrMapping/>
@@ -3638,13 +3349,13 @@
         </p:nvSpPr>
         <p:spPr>
           <a:xfrm>
-            <a:off x="0" y="260359"/>
-            <a:ext cx="9144000" cy="5954723"/>
+            <a:off x="0" y="2084851"/>
+            <a:ext cx="12192000" cy="2404863"/>
           </a:xfrm>
         </p:spPr>
         <p:txBody>
-          <a:bodyPr>
-            <a:noAutofit/>
+          <a:bodyPr anchor="ctr">
+            <a:normAutofit/>
           </a:bodyPr>
           <a:lstStyle/>
           <a:p>
@@ -3652,16 +3363,16 @@
               <a:buNone/>
             </a:pPr>
             <a:r>
-              <a:rPr lang="zh-TW" altLang="en-US" sz="5400" b="1" dirty="0" smtClean="0">
+              <a:rPr lang="zh-TW" altLang="en-US" sz="6600" b="1" dirty="0">
                 <a:solidFill>
                   <a:srgbClr val="000066"/>
                 </a:solidFill>
                 <a:latin typeface="微軟正黑體" pitchFamily="34" charset="-120"/>
                 <a:ea typeface="微軟正黑體" pitchFamily="34" charset="-120"/>
               </a:rPr>
-              <a:t>容我寧靜  聽候在你的跟前</a:t>
-            </a:r>
-            <a:endParaRPr lang="en-US" altLang="zh-TW" sz="5400" b="1" dirty="0" smtClean="0">
+              <a:t>日光之中人流離在多變世俗裡</a:t>
+            </a:r>
+            <a:endParaRPr lang="en-US" altLang="zh-TW" sz="6600" b="1" dirty="0">
               <a:solidFill>
                 <a:srgbClr val="000066"/>
               </a:solidFill>
@@ -3674,16 +3385,56 @@
               <a:buNone/>
             </a:pPr>
             <a:r>
-              <a:rPr lang="zh-TW" altLang="en-US" sz="5400" b="1" dirty="0" smtClean="0">
+              <a:rPr lang="zh-TW" altLang="en-US" sz="6600" b="1" dirty="0">
                 <a:solidFill>
                   <a:srgbClr val="000066"/>
                 </a:solidFill>
                 <a:latin typeface="微軟正黑體" pitchFamily="34" charset="-120"/>
                 <a:ea typeface="微軟正黑體" pitchFamily="34" charset="-120"/>
               </a:rPr>
-              <a:t>一心一意  願尋求你的旨意</a:t>
-            </a:r>
-            <a:endParaRPr lang="en-US" altLang="zh-TW" sz="5400" b="1" dirty="0" smtClean="0">
+              <a:t>啊聖靈  </a:t>
+            </a:r>
+            <a:r>
+              <a:rPr lang="zh-TW" altLang="en-US" sz="6600" b="1" dirty="0" smtClean="0">
+                <a:solidFill>
+                  <a:srgbClr val="000066"/>
+                </a:solidFill>
+                <a:latin typeface="微軟正黑體" pitchFamily="34" charset="-120"/>
+                <a:ea typeface="微軟正黑體" pitchFamily="34" charset="-120"/>
+              </a:rPr>
+              <a:t>求</a:t>
+            </a:r>
+            <a:r>
+              <a:rPr lang="zh-CN" altLang="en-US" sz="6600" b="1" dirty="0" smtClean="0">
+                <a:solidFill>
+                  <a:srgbClr val="000066"/>
+                </a:solidFill>
+                <a:latin typeface="微軟正黑體" pitchFamily="34" charset="-120"/>
+                <a:ea typeface="微軟正黑體" pitchFamily="34" charset="-120"/>
+              </a:rPr>
+              <a:t>袮</a:t>
+            </a:r>
+            <a:r>
+              <a:rPr lang="zh-TW" altLang="en-US" sz="6600" b="1" dirty="0" smtClean="0">
+                <a:solidFill>
+                  <a:srgbClr val="000066"/>
+                </a:solidFill>
+                <a:latin typeface="微軟正黑體" pitchFamily="34" charset="-120"/>
+                <a:ea typeface="微軟正黑體" pitchFamily="34" charset="-120"/>
+              </a:rPr>
+              <a:t>引</a:t>
+            </a:r>
+            <a:r>
+              <a:rPr lang="zh-TW" altLang="en-US" sz="6600" b="1" dirty="0">
+                <a:solidFill>
+                  <a:srgbClr val="000066"/>
+                </a:solidFill>
+                <a:latin typeface="微軟正黑體" pitchFamily="34" charset="-120"/>
+                <a:ea typeface="微軟正黑體" pitchFamily="34" charset="-120"/>
+              </a:rPr>
+              <a:t>導我禱</a:t>
+            </a:r>
+            <a:endParaRPr lang="zh-TW" altLang="en-US" sz="6600" b="1" dirty="0">
               <a:solidFill>
                 <a:srgbClr val="000066"/>
               </a:solidFill>
@@ -3691,21 +3442,176 @@
               <a:ea typeface="微軟正黑體" pitchFamily="34" charset="-120"/>
             </a:endParaRPr>
           </a:p>
+        </p:txBody>
+      </p:sp>
+      <p:sp>
+        <p:nvSpPr>
+          <p:cNvPr id="2" name="TextBox 1"/>
+          <p:cNvSpPr txBox="1"/>
+          <p:nvPr/>
+        </p:nvSpPr>
+        <p:spPr>
+          <a:xfrm>
+            <a:off x="0" y="5158596"/>
+            <a:ext cx="12192000" cy="769441"/>
+          </a:xfrm>
+          <a:prstGeom prst="rect">
+            <a:avLst/>
+          </a:prstGeom>
+          <a:noFill/>
+        </p:spPr>
+        <p:txBody>
+          <a:bodyPr wrap="square" rtlCol="0">
+            <a:spAutoFit/>
+          </a:bodyPr>
+          <a:lstStyle/>
+          <a:p>
+            <a:pPr algn="ctr"/>
+            <a:r>
+              <a:rPr lang="en-US" sz="4400" b="1" dirty="0" smtClean="0">
+                <a:solidFill>
+                  <a:srgbClr val="000066"/>
+                </a:solidFill>
+                <a:latin typeface="Microsoft JhengHei" panose="020B0604030504040204" pitchFamily="34" charset="-120"/>
+                <a:ea typeface="Microsoft JhengHei" panose="020B0604030504040204" pitchFamily="34" charset="-120"/>
+              </a:rPr>
+              <a:t>( </a:t>
+            </a:r>
+            <a:r>
+              <a:rPr lang="zh-CN" altLang="en-US" sz="4400" b="1" dirty="0" smtClean="0">
+                <a:solidFill>
+                  <a:srgbClr val="000066"/>
+                </a:solidFill>
+                <a:latin typeface="Microsoft JhengHei" panose="020B0604030504040204" pitchFamily="34" charset="-120"/>
+                <a:ea typeface="Microsoft JhengHei" panose="020B0604030504040204" pitchFamily="34" charset="-120"/>
+              </a:rPr>
+              <a:t>正 </a:t>
+            </a:r>
+            <a:r>
+              <a:rPr lang="en-US" sz="4400" b="1" dirty="0" smtClean="0">
+                <a:solidFill>
+                  <a:srgbClr val="000066"/>
+                </a:solidFill>
+                <a:latin typeface="Microsoft JhengHei" panose="020B0604030504040204" pitchFamily="34" charset="-120"/>
+                <a:ea typeface="Microsoft JhengHei" panose="020B0604030504040204" pitchFamily="34" charset="-120"/>
+              </a:rPr>
+              <a:t>)</a:t>
+            </a:r>
+            <a:endParaRPr lang="vi-VN" sz="4400" b="1" dirty="0">
+              <a:solidFill>
+                <a:srgbClr val="000066"/>
+              </a:solidFill>
+              <a:ea typeface="Microsoft JhengHei" panose="020B0604030504040204" pitchFamily="34" charset="-120"/>
+            </a:endParaRPr>
+          </a:p>
+        </p:txBody>
+      </p:sp>
+    </p:spTree>
+    <p:extLst>
+      <p:ext uri="{BB962C8B-B14F-4D97-AF65-F5344CB8AC3E}">
+        <p14:creationId xmlns:p14="http://schemas.microsoft.com/office/powerpoint/2010/main" val="4155024566"/>
+      </p:ext>
+    </p:extLst>
+  </p:cSld>
+  <p:clrMapOvr>
+    <a:masterClrMapping/>
+  </p:clrMapOvr>
+</p:sld>
+</file>
+
+<file path=ppt/slides/slide4.xml><?xml version="1.0" encoding="utf-8"?>
+<p:sld xmlns:a="http://schemas.openxmlformats.org/drawingml/2006/main" xmlns:r="http://schemas.openxmlformats.org/officeDocument/2006/relationships" xmlns:p="http://schemas.openxmlformats.org/presentationml/2006/main">
+  <p:cSld>
+    <p:spTree>
+      <p:nvGrpSpPr>
+        <p:cNvPr id="1" name=""/>
+        <p:cNvGrpSpPr/>
+        <p:nvPr/>
+      </p:nvGrpSpPr>
+      <p:grpSpPr>
+        <a:xfrm>
+          <a:off x="0" y="0"/>
+          <a:ext cx="0" cy="0"/>
+          <a:chOff x="0" y="0"/>
+          <a:chExt cx="0" cy="0"/>
+        </a:xfrm>
+      </p:grpSpPr>
+      <p:sp>
+        <p:nvSpPr>
+          <p:cNvPr id="5" name="內容版面配置區 4"/>
+          <p:cNvSpPr>
+            <a:spLocks noGrp="1"/>
+          </p:cNvSpPr>
+          <p:nvPr>
+            <p:ph idx="1"/>
+          </p:nvPr>
+        </p:nvSpPr>
+        <p:spPr>
+          <a:xfrm>
+            <a:off x="0" y="2084851"/>
+            <a:ext cx="12192000" cy="2404863"/>
+          </a:xfrm>
+        </p:spPr>
+        <p:txBody>
+          <a:bodyPr anchor="ctr">
+            <a:normAutofit/>
+          </a:bodyPr>
+          <a:lstStyle/>
           <a:p>
             <a:pPr algn="ctr">
               <a:buNone/>
             </a:pPr>
             <a:r>
-              <a:rPr lang="zh-TW" altLang="en-US" sz="5400" b="1" dirty="0" smtClean="0">
+              <a:rPr lang="zh-TW" altLang="en-US" sz="6600" b="1" dirty="0">
                 <a:solidFill>
                   <a:srgbClr val="000066"/>
                 </a:solidFill>
                 <a:latin typeface="微軟正黑體" pitchFamily="34" charset="-120"/>
                 <a:ea typeface="微軟正黑體" pitchFamily="34" charset="-120"/>
               </a:rPr>
-              <a:t>藏你懷內</a:t>
-            </a:r>
-            <a:endParaRPr lang="en-US" altLang="zh-TW" sz="5400" b="1" dirty="0" smtClean="0">
+              <a:t>容我寧靜  聽候</a:t>
+            </a:r>
+            <a:r>
+              <a:rPr lang="zh-TW" altLang="en-US" sz="6600" b="1" dirty="0" smtClean="0">
+                <a:solidFill>
+                  <a:srgbClr val="000066"/>
+                </a:solidFill>
+                <a:latin typeface="微軟正黑體" pitchFamily="34" charset="-120"/>
+                <a:ea typeface="微軟正黑體" pitchFamily="34" charset="-120"/>
+              </a:rPr>
+              <a:t>在</a:t>
+            </a:r>
+            <a:r>
+              <a:rPr lang="zh-CN" altLang="en-US" sz="6600" b="1" dirty="0">
+                <a:solidFill>
+                  <a:srgbClr val="000066"/>
+                </a:solidFill>
+                <a:latin typeface="微軟正黑體" pitchFamily="34" charset="-120"/>
+                <a:ea typeface="微軟正黑體" pitchFamily="34" charset="-120"/>
+              </a:rPr>
+              <a:t>袮</a:t>
+            </a:r>
+            <a:r>
+              <a:rPr lang="zh-TW" altLang="en-US" sz="6600" b="1" dirty="0" smtClean="0">
+                <a:solidFill>
+                  <a:srgbClr val="000066"/>
+                </a:solidFill>
+                <a:latin typeface="微軟正黑體" pitchFamily="34" charset="-120"/>
+                <a:ea typeface="微軟正黑體" pitchFamily="34" charset="-120"/>
+              </a:rPr>
+              <a:t>的</a:t>
+            </a:r>
+            <a:r>
+              <a:rPr lang="zh-TW" altLang="en-US" sz="6600" b="1" dirty="0">
+                <a:solidFill>
+                  <a:srgbClr val="000066"/>
+                </a:solidFill>
+                <a:latin typeface="微軟正黑體" pitchFamily="34" charset="-120"/>
+                <a:ea typeface="微軟正黑體" pitchFamily="34" charset="-120"/>
+              </a:rPr>
+              <a:t>跟前</a:t>
+            </a:r>
+            <a:endParaRPr lang="en-US" altLang="zh-TW" sz="6600" b="1" dirty="0">
               <a:solidFill>
                 <a:srgbClr val="000066"/>
               </a:solidFill>
@@ -3718,16 +3624,56 @@
               <a:buNone/>
             </a:pPr>
             <a:r>
-              <a:rPr lang="zh-TW" altLang="en-US" sz="5400" b="1" dirty="0" smtClean="0">
+              <a:rPr lang="zh-TW" altLang="en-US" sz="6600" b="1" dirty="0">
                 <a:solidFill>
                   <a:srgbClr val="000066"/>
                 </a:solidFill>
                 <a:latin typeface="微軟正黑體" pitchFamily="34" charset="-120"/>
                 <a:ea typeface="微軟正黑體" pitchFamily="34" charset="-120"/>
               </a:rPr>
-              <a:t>看萬事變得空虛光輝不再</a:t>
-            </a:r>
-            <a:endParaRPr lang="en-US" altLang="zh-TW" sz="5400" b="1" dirty="0" smtClean="0">
+              <a:t>一心一意  願尋</a:t>
+            </a:r>
+            <a:r>
+              <a:rPr lang="zh-TW" altLang="en-US" sz="6600" b="1" dirty="0" smtClean="0">
+                <a:solidFill>
+                  <a:srgbClr val="000066"/>
+                </a:solidFill>
+                <a:latin typeface="微軟正黑體" pitchFamily="34" charset="-120"/>
+                <a:ea typeface="微軟正黑體" pitchFamily="34" charset="-120"/>
+              </a:rPr>
+              <a:t>求</a:t>
+            </a:r>
+            <a:r>
+              <a:rPr lang="zh-CN" altLang="en-US" sz="6600" b="1" dirty="0">
+                <a:solidFill>
+                  <a:srgbClr val="000066"/>
+                </a:solidFill>
+                <a:latin typeface="微軟正黑體" pitchFamily="34" charset="-120"/>
+                <a:ea typeface="微軟正黑體" pitchFamily="34" charset="-120"/>
+              </a:rPr>
+              <a:t>袮</a:t>
+            </a:r>
+            <a:r>
+              <a:rPr lang="zh-TW" altLang="en-US" sz="6600" b="1" dirty="0" smtClean="0">
+                <a:solidFill>
+                  <a:srgbClr val="000066"/>
+                </a:solidFill>
+                <a:latin typeface="微軟正黑體" pitchFamily="34" charset="-120"/>
+                <a:ea typeface="微軟正黑體" pitchFamily="34" charset="-120"/>
+              </a:rPr>
+              <a:t>的</a:t>
+            </a:r>
+            <a:r>
+              <a:rPr lang="zh-TW" altLang="en-US" sz="6600" b="1" dirty="0">
+                <a:solidFill>
+                  <a:srgbClr val="000066"/>
+                </a:solidFill>
+                <a:latin typeface="微軟正黑體" pitchFamily="34" charset="-120"/>
+                <a:ea typeface="微軟正黑體" pitchFamily="34" charset="-120"/>
+              </a:rPr>
+              <a:t>旨意</a:t>
+            </a:r>
+            <a:endParaRPr lang="en-US" altLang="zh-TW" sz="6600" b="1" dirty="0">
               <a:solidFill>
                 <a:srgbClr val="000066"/>
               </a:solidFill>
@@ -3735,21 +3681,166 @@
               <a:ea typeface="微軟正黑體" pitchFamily="34" charset="-120"/>
             </a:endParaRPr>
           </a:p>
+        </p:txBody>
+      </p:sp>
+      <p:sp>
+        <p:nvSpPr>
+          <p:cNvPr id="2" name="TextBox 1"/>
+          <p:cNvSpPr txBox="1"/>
+          <p:nvPr/>
+        </p:nvSpPr>
+        <p:spPr>
+          <a:xfrm>
+            <a:off x="0" y="5158596"/>
+            <a:ext cx="12192000" cy="769441"/>
+          </a:xfrm>
+          <a:prstGeom prst="rect">
+            <a:avLst/>
+          </a:prstGeom>
+          <a:noFill/>
+        </p:spPr>
+        <p:txBody>
+          <a:bodyPr wrap="square" rtlCol="0">
+            <a:spAutoFit/>
+          </a:bodyPr>
+          <a:lstStyle/>
+          <a:p>
+            <a:pPr algn="ctr"/>
+            <a:r>
+              <a:rPr lang="en-US" sz="4400" b="1" dirty="0" smtClean="0">
+                <a:solidFill>
+                  <a:srgbClr val="000066"/>
+                </a:solidFill>
+                <a:latin typeface="Microsoft JhengHei" panose="020B0604030504040204" pitchFamily="34" charset="-120"/>
+                <a:ea typeface="Microsoft JhengHei" panose="020B0604030504040204" pitchFamily="34" charset="-120"/>
+              </a:rPr>
+              <a:t>( </a:t>
+            </a:r>
+            <a:r>
+              <a:rPr lang="zh-CN" altLang="en-US" sz="4400" b="1" dirty="0" smtClean="0">
+                <a:solidFill>
+                  <a:srgbClr val="000066"/>
+                </a:solidFill>
+                <a:latin typeface="Microsoft JhengHei" panose="020B0604030504040204" pitchFamily="34" charset="-120"/>
+                <a:ea typeface="Microsoft JhengHei" panose="020B0604030504040204" pitchFamily="34" charset="-120"/>
+              </a:rPr>
+              <a:t>副 </a:t>
+            </a:r>
+            <a:r>
+              <a:rPr lang="en-US" sz="4400" b="1" dirty="0" smtClean="0">
+                <a:solidFill>
+                  <a:srgbClr val="000066"/>
+                </a:solidFill>
+                <a:latin typeface="Microsoft JhengHei" panose="020B0604030504040204" pitchFamily="34" charset="-120"/>
+                <a:ea typeface="Microsoft JhengHei" panose="020B0604030504040204" pitchFamily="34" charset="-120"/>
+              </a:rPr>
+              <a:t>)</a:t>
+            </a:r>
+            <a:endParaRPr lang="vi-VN" sz="4400" b="1" dirty="0">
+              <a:solidFill>
+                <a:srgbClr val="000066"/>
+              </a:solidFill>
+              <a:ea typeface="Microsoft JhengHei" panose="020B0604030504040204" pitchFamily="34" charset="-120"/>
+            </a:endParaRPr>
+          </a:p>
+        </p:txBody>
+      </p:sp>
+    </p:spTree>
+    <p:extLst>
+      <p:ext uri="{BB962C8B-B14F-4D97-AF65-F5344CB8AC3E}">
+        <p14:creationId xmlns:p14="http://schemas.microsoft.com/office/powerpoint/2010/main" val="2081992420"/>
+      </p:ext>
+    </p:extLst>
+  </p:cSld>
+  <p:clrMapOvr>
+    <a:masterClrMapping/>
+  </p:clrMapOvr>
+</p:sld>
+</file>
+
+<file path=ppt/slides/slide5.xml><?xml version="1.0" encoding="utf-8"?>
+<p:sld xmlns:a="http://schemas.openxmlformats.org/drawingml/2006/main" xmlns:r="http://schemas.openxmlformats.org/officeDocument/2006/relationships" xmlns:p="http://schemas.openxmlformats.org/presentationml/2006/main">
+  <p:cSld>
+    <p:spTree>
+      <p:nvGrpSpPr>
+        <p:cNvPr id="1" name=""/>
+        <p:cNvGrpSpPr/>
+        <p:nvPr/>
+      </p:nvGrpSpPr>
+      <p:grpSpPr>
+        <a:xfrm>
+          <a:off x="0" y="0"/>
+          <a:ext cx="0" cy="0"/>
+          <a:chOff x="0" y="0"/>
+          <a:chExt cx="0" cy="0"/>
+        </a:xfrm>
+      </p:grpSpPr>
+      <p:sp>
+        <p:nvSpPr>
+          <p:cNvPr id="5" name="內容版面配置區 4"/>
+          <p:cNvSpPr>
+            <a:spLocks noGrp="1"/>
+          </p:cNvSpPr>
+          <p:nvPr>
+            <p:ph idx="1"/>
+          </p:nvPr>
+        </p:nvSpPr>
+        <p:spPr>
+          <a:xfrm>
+            <a:off x="0" y="2084851"/>
+            <a:ext cx="12192000" cy="2404863"/>
+          </a:xfrm>
+        </p:spPr>
+        <p:txBody>
+          <a:bodyPr anchor="ctr">
+            <a:normAutofit/>
+          </a:bodyPr>
+          <a:lstStyle/>
           <a:p>
             <a:pPr algn="ctr">
               <a:buNone/>
             </a:pPr>
             <a:r>
-              <a:rPr lang="zh-TW" altLang="en-US" sz="5400" b="1" dirty="0" smtClean="0">
+              <a:rPr lang="zh-TW" altLang="en-US" sz="6600" b="1" dirty="0" smtClean="0">
                 <a:solidFill>
                   <a:srgbClr val="000066"/>
                 </a:solidFill>
                 <a:latin typeface="微軟正黑體" pitchFamily="34" charset="-120"/>
                 <a:ea typeface="微軟正黑體" pitchFamily="34" charset="-120"/>
               </a:rPr>
-              <a:t>願我此刻知你是神</a:t>
-            </a:r>
-            <a:endParaRPr lang="en-US" altLang="zh-TW" sz="5400" b="1" dirty="0" smtClean="0">
+              <a:t>藏</a:t>
+            </a:r>
+            <a:r>
+              <a:rPr lang="zh-CN" altLang="en-US" sz="6600" b="1" dirty="0">
+                <a:solidFill>
+                  <a:srgbClr val="000066"/>
+                </a:solidFill>
+                <a:latin typeface="微軟正黑體" pitchFamily="34" charset="-120"/>
+                <a:ea typeface="微軟正黑體" pitchFamily="34" charset="-120"/>
+              </a:rPr>
+              <a:t>袮</a:t>
+            </a:r>
+            <a:r>
+              <a:rPr lang="zh-TW" altLang="en-US" sz="6600" b="1" dirty="0" smtClean="0">
+                <a:solidFill>
+                  <a:srgbClr val="000066"/>
+                </a:solidFill>
+                <a:latin typeface="微軟正黑體" pitchFamily="34" charset="-120"/>
+                <a:ea typeface="微軟正黑體" pitchFamily="34" charset="-120"/>
+              </a:rPr>
+              <a:t>懷</a:t>
+            </a:r>
+            <a:r>
+              <a:rPr lang="zh-TW" altLang="en-US" sz="6600" b="1" dirty="0">
+                <a:solidFill>
+                  <a:srgbClr val="000066"/>
+                </a:solidFill>
+                <a:latin typeface="微軟正黑體" pitchFamily="34" charset="-120"/>
+                <a:ea typeface="微軟正黑體" pitchFamily="34" charset="-120"/>
+              </a:rPr>
+              <a:t>內</a:t>
+            </a:r>
+            <a:endParaRPr lang="en-US" altLang="zh-TW" sz="6600" b="1" dirty="0">
               <a:solidFill>
                 <a:srgbClr val="000066"/>
               </a:solidFill>
@@ -3762,16 +3853,16 @@
               <a:buNone/>
             </a:pPr>
             <a:r>
-              <a:rPr lang="zh-TW" altLang="en-US" sz="5400" b="1" dirty="0" smtClean="0">
+              <a:rPr lang="zh-TW" altLang="en-US" sz="6600" b="1" dirty="0">
                 <a:solidFill>
                   <a:srgbClr val="000066"/>
                 </a:solidFill>
                 <a:latin typeface="微軟正黑體" pitchFamily="34" charset="-120"/>
                 <a:ea typeface="微軟正黑體" pitchFamily="34" charset="-120"/>
               </a:rPr>
-              <a:t>願我得享安息  在你手裡</a:t>
-            </a:r>
-            <a:endParaRPr lang="zh-TW" altLang="en-US" sz="5400" b="1" dirty="0">
+              <a:t>看萬事變得空虛光輝不再</a:t>
+            </a:r>
+            <a:endParaRPr lang="en-US" altLang="zh-TW" sz="6600" b="1" dirty="0">
               <a:solidFill>
                 <a:srgbClr val="000066"/>
               </a:solidFill>
@@ -3783,96 +3874,311 @@
       </p:sp>
       <p:sp>
         <p:nvSpPr>
-          <p:cNvPr id="7" name="標題 3"/>
-          <p:cNvSpPr txBox="1">
-            <a:spLocks/>
-          </p:cNvSpPr>
+          <p:cNvPr id="2" name="TextBox 1"/>
+          <p:cNvSpPr txBox="1"/>
           <p:nvPr/>
         </p:nvSpPr>
         <p:spPr>
           <a:xfrm>
-            <a:off x="0" y="6500834"/>
-            <a:ext cx="1357290" cy="357166"/>
+            <a:off x="0" y="5158596"/>
+            <a:ext cx="12192000" cy="769441"/>
           </a:xfrm>
           <a:prstGeom prst="rect">
             <a:avLst/>
           </a:prstGeom>
+          <a:noFill/>
         </p:spPr>
         <p:txBody>
-          <a:bodyPr vert="horz" lIns="91440" tIns="45720" rIns="91440" bIns="45720" rtlCol="0" anchor="ctr">
-            <a:normAutofit/>
+          <a:bodyPr wrap="square" rtlCol="0">
+            <a:spAutoFit/>
           </a:bodyPr>
           <a:lstStyle/>
           <a:p>
-            <a:pPr marL="0" marR="0" lvl="0" indent="0" algn="ctr" defTabSz="914400" rtl="0" eaLnBrk="1" fontAlgn="auto" latinLnBrk="0" hangingPunct="1">
-              <a:lnSpc>
-                <a:spcPct val="100000"/>
-              </a:lnSpc>
-              <a:spcBef>
-                <a:spcPct val="0"/>
-              </a:spcBef>
-              <a:spcAft>
-                <a:spcPts val="0"/>
-              </a:spcAft>
-              <a:buClrTx/>
-              <a:buSzTx/>
-              <a:buFontTx/>
-              <a:buNone/>
-              <a:tabLst/>
-              <a:defRPr/>
-            </a:pPr>
-            <a:r>
-              <a:rPr kumimoji="0" lang="zh-TW" altLang="en-US" sz="1500" b="1" i="0" u="none" strike="noStrike" kern="1200" cap="none" spc="0" normalizeH="0" baseline="0" noProof="0" dirty="0" smtClean="0">
-                <a:ln>
-                  <a:noFill/>
-                </a:ln>
-                <a:solidFill>
-                  <a:srgbClr val="000066"/>
-                </a:solidFill>
-                <a:effectLst/>
-                <a:uLnTx/>
-                <a:uFillTx/>
-                <a:latin typeface="微軟正黑體" pitchFamily="34" charset="-120"/>
-                <a:ea typeface="微軟正黑體" pitchFamily="34" charset="-120"/>
-                <a:cs typeface="+mj-cs"/>
-              </a:rPr>
-              <a:t>容我寧靜</a:t>
-            </a:r>
-            <a:r>
-              <a:rPr kumimoji="0" lang="en-US" altLang="zh-CN" sz="1500" b="1" i="0" u="none" strike="noStrike" kern="1200" cap="none" spc="0" normalizeH="0" baseline="0" noProof="0" dirty="0" smtClean="0">
-                <a:ln>
-                  <a:noFill/>
-                </a:ln>
-                <a:solidFill>
-                  <a:srgbClr val="000066"/>
-                </a:solidFill>
-                <a:effectLst/>
-                <a:uLnTx/>
-                <a:uFillTx/>
-                <a:latin typeface="微軟正黑體" pitchFamily="34" charset="-120"/>
-                <a:ea typeface="微軟正黑體" pitchFamily="34" charset="-120"/>
-                <a:cs typeface="+mj-cs"/>
-              </a:rPr>
-              <a:t>2/2</a:t>
-            </a:r>
-            <a:endParaRPr kumimoji="0" lang="zh-TW" altLang="en-US" sz="1500" b="1" i="0" u="none" strike="noStrike" kern="1200" cap="none" spc="0" normalizeH="0" baseline="0" noProof="0" dirty="0">
-              <a:ln>
-                <a:noFill/>
-              </a:ln>
+            <a:pPr algn="ctr"/>
+            <a:r>
+              <a:rPr lang="en-US" sz="4400" b="1" dirty="0" smtClean="0">
+                <a:solidFill>
+                  <a:srgbClr val="000066"/>
+                </a:solidFill>
+                <a:latin typeface="Microsoft JhengHei" panose="020B0604030504040204" pitchFamily="34" charset="-120"/>
+                <a:ea typeface="Microsoft JhengHei" panose="020B0604030504040204" pitchFamily="34" charset="-120"/>
+              </a:rPr>
+              <a:t>( </a:t>
+            </a:r>
+            <a:r>
+              <a:rPr lang="zh-CN" altLang="en-US" sz="4400" b="1" dirty="0" smtClean="0">
+                <a:solidFill>
+                  <a:srgbClr val="000066"/>
+                </a:solidFill>
+                <a:latin typeface="Microsoft JhengHei" panose="020B0604030504040204" pitchFamily="34" charset="-120"/>
+                <a:ea typeface="Microsoft JhengHei" panose="020B0604030504040204" pitchFamily="34" charset="-120"/>
+              </a:rPr>
+              <a:t>副 </a:t>
+            </a:r>
+            <a:r>
+              <a:rPr lang="en-US" sz="4400" b="1" dirty="0" smtClean="0">
+                <a:solidFill>
+                  <a:srgbClr val="000066"/>
+                </a:solidFill>
+                <a:latin typeface="Microsoft JhengHei" panose="020B0604030504040204" pitchFamily="34" charset="-120"/>
+                <a:ea typeface="Microsoft JhengHei" panose="020B0604030504040204" pitchFamily="34" charset="-120"/>
+              </a:rPr>
+              <a:t>)</a:t>
+            </a:r>
+            <a:endParaRPr lang="vi-VN" sz="4400" b="1" dirty="0">
               <a:solidFill>
                 <a:srgbClr val="000066"/>
               </a:solidFill>
-              <a:effectLst/>
-              <a:uLnTx/>
-              <a:uFillTx/>
+              <a:ea typeface="Microsoft JhengHei" panose="020B0604030504040204" pitchFamily="34" charset="-120"/>
+            </a:endParaRPr>
+          </a:p>
+        </p:txBody>
+      </p:sp>
+    </p:spTree>
+    <p:extLst>
+      <p:ext uri="{BB962C8B-B14F-4D97-AF65-F5344CB8AC3E}">
+        <p14:creationId xmlns:p14="http://schemas.microsoft.com/office/powerpoint/2010/main" val="1765625573"/>
+      </p:ext>
+    </p:extLst>
+  </p:cSld>
+  <p:clrMapOvr>
+    <a:masterClrMapping/>
+  </p:clrMapOvr>
+</p:sld>
+</file>
+
+<file path=ppt/slides/slide6.xml><?xml version="1.0" encoding="utf-8"?>
+<p:sld xmlns:a="http://schemas.openxmlformats.org/drawingml/2006/main" xmlns:r="http://schemas.openxmlformats.org/officeDocument/2006/relationships" xmlns:p="http://schemas.openxmlformats.org/presentationml/2006/main">
+  <p:cSld>
+    <p:spTree>
+      <p:nvGrpSpPr>
+        <p:cNvPr id="1" name=""/>
+        <p:cNvGrpSpPr/>
+        <p:nvPr/>
+      </p:nvGrpSpPr>
+      <p:grpSpPr>
+        <a:xfrm>
+          <a:off x="0" y="0"/>
+          <a:ext cx="0" cy="0"/>
+          <a:chOff x="0" y="0"/>
+          <a:chExt cx="0" cy="0"/>
+        </a:xfrm>
+      </p:grpSpPr>
+      <p:sp>
+        <p:nvSpPr>
+          <p:cNvPr id="5" name="內容版面配置區 4"/>
+          <p:cNvSpPr>
+            <a:spLocks noGrp="1"/>
+          </p:cNvSpPr>
+          <p:nvPr>
+            <p:ph idx="1"/>
+          </p:nvPr>
+        </p:nvSpPr>
+        <p:spPr>
+          <a:xfrm>
+            <a:off x="0" y="2084851"/>
+            <a:ext cx="12192000" cy="2404863"/>
+          </a:xfrm>
+        </p:spPr>
+        <p:txBody>
+          <a:bodyPr anchor="ctr">
+            <a:normAutofit/>
+          </a:bodyPr>
+          <a:lstStyle/>
+          <a:p>
+            <a:pPr algn="ctr">
+              <a:buNone/>
+            </a:pPr>
+            <a:r>
+              <a:rPr lang="zh-TW" altLang="en-US" sz="6600" b="1" dirty="0">
+                <a:solidFill>
+                  <a:srgbClr val="000066"/>
+                </a:solidFill>
+                <a:latin typeface="微軟正黑體" pitchFamily="34" charset="-120"/>
+                <a:ea typeface="微軟正黑體" pitchFamily="34" charset="-120"/>
+              </a:rPr>
+              <a:t>願我此刻</a:t>
+            </a:r>
+            <a:r>
+              <a:rPr lang="zh-TW" altLang="en-US" sz="6600" b="1" dirty="0" smtClean="0">
+                <a:solidFill>
+                  <a:srgbClr val="000066"/>
+                </a:solidFill>
+                <a:latin typeface="微軟正黑體" pitchFamily="34" charset="-120"/>
+                <a:ea typeface="微軟正黑體" pitchFamily="34" charset="-120"/>
+              </a:rPr>
+              <a:t>知</a:t>
+            </a:r>
+            <a:r>
+              <a:rPr lang="zh-CN" altLang="en-US" sz="6600" b="1" dirty="0">
+                <a:solidFill>
+                  <a:srgbClr val="000066"/>
+                </a:solidFill>
+                <a:latin typeface="微軟正黑體" pitchFamily="34" charset="-120"/>
+                <a:ea typeface="微軟正黑體" pitchFamily="34" charset="-120"/>
+              </a:rPr>
+              <a:t>袮</a:t>
+            </a:r>
+            <a:r>
+              <a:rPr lang="zh-TW" altLang="en-US" sz="6600" b="1" dirty="0" smtClean="0">
+                <a:solidFill>
+                  <a:srgbClr val="000066"/>
+                </a:solidFill>
+                <a:latin typeface="微軟正黑體" pitchFamily="34" charset="-120"/>
+                <a:ea typeface="微軟正黑體" pitchFamily="34" charset="-120"/>
+              </a:rPr>
+              <a:t>是</a:t>
+            </a:r>
+            <a:r>
+              <a:rPr lang="zh-TW" altLang="en-US" sz="6600" b="1" dirty="0">
+                <a:solidFill>
+                  <a:srgbClr val="000066"/>
+                </a:solidFill>
+                <a:latin typeface="微軟正黑體" pitchFamily="34" charset="-120"/>
+                <a:ea typeface="微軟正黑體" pitchFamily="34" charset="-120"/>
+              </a:rPr>
+              <a:t>神</a:t>
+            </a:r>
+            <a:endParaRPr lang="en-US" altLang="zh-TW" sz="6600" b="1" dirty="0">
+              <a:solidFill>
+                <a:srgbClr val="000066"/>
+              </a:solidFill>
               <a:latin typeface="微軟正黑體" pitchFamily="34" charset="-120"/>
               <a:ea typeface="微軟正黑體" pitchFamily="34" charset="-120"/>
-              <a:cs typeface="+mj-cs"/>
             </a:endParaRPr>
           </a:p>
+          <a:p>
+            <a:pPr algn="ctr">
+              <a:buNone/>
+            </a:pPr>
+            <a:r>
+              <a:rPr lang="zh-TW" altLang="en-US" sz="6600" b="1" dirty="0">
+                <a:solidFill>
+                  <a:srgbClr val="000066"/>
+                </a:solidFill>
+                <a:latin typeface="微軟正黑體" pitchFamily="34" charset="-120"/>
+                <a:ea typeface="微軟正黑體" pitchFamily="34" charset="-120"/>
+              </a:rPr>
+              <a:t>願我得享安息  </a:t>
+            </a:r>
+            <a:r>
+              <a:rPr lang="zh-TW" altLang="en-US" sz="6600" b="1" dirty="0" smtClean="0">
+                <a:solidFill>
+                  <a:srgbClr val="000066"/>
+                </a:solidFill>
+                <a:latin typeface="微軟正黑體" pitchFamily="34" charset="-120"/>
+                <a:ea typeface="微軟正黑體" pitchFamily="34" charset="-120"/>
+              </a:rPr>
+              <a:t>在</a:t>
+            </a:r>
+            <a:r>
+              <a:rPr lang="zh-CN" altLang="en-US" sz="6600" b="1" dirty="0">
+                <a:solidFill>
+                  <a:srgbClr val="000066"/>
+                </a:solidFill>
+                <a:latin typeface="微軟正黑體" pitchFamily="34" charset="-120"/>
+                <a:ea typeface="微軟正黑體" pitchFamily="34" charset="-120"/>
+              </a:rPr>
+              <a:t>袮</a:t>
+            </a:r>
+            <a:r>
+              <a:rPr lang="zh-TW" altLang="en-US" sz="6600" b="1" dirty="0" smtClean="0">
+                <a:solidFill>
+                  <a:srgbClr val="000066"/>
+                </a:solidFill>
+                <a:latin typeface="微軟正黑體" pitchFamily="34" charset="-120"/>
+                <a:ea typeface="微軟正黑體" pitchFamily="34" charset="-120"/>
+              </a:rPr>
+              <a:t>手</a:t>
+            </a:r>
+            <a:r>
+              <a:rPr lang="zh-TW" altLang="en-US" sz="6600" b="1" dirty="0">
+                <a:solidFill>
+                  <a:srgbClr val="000066"/>
+                </a:solidFill>
+                <a:latin typeface="微軟正黑體" pitchFamily="34" charset="-120"/>
+                <a:ea typeface="微軟正黑體" pitchFamily="34" charset="-120"/>
+              </a:rPr>
+              <a:t>裡</a:t>
+            </a:r>
+            <a:endParaRPr lang="zh-TW" altLang="en-US" sz="6600" b="1" dirty="0">
+              <a:solidFill>
+                <a:srgbClr val="000066"/>
+              </a:solidFill>
+              <a:latin typeface="微軟正黑體" pitchFamily="34" charset="-120"/>
+              <a:ea typeface="微軟正黑體" pitchFamily="34" charset="-120"/>
+            </a:endParaRPr>
+          </a:p>
+        </p:txBody>
+      </p:sp>
+      <p:sp>
+        <p:nvSpPr>
+          <p:cNvPr id="2" name="TextBox 1"/>
+          <p:cNvSpPr txBox="1"/>
+          <p:nvPr/>
+        </p:nvSpPr>
+        <p:spPr>
+          <a:xfrm>
+            <a:off x="0" y="5158596"/>
+            <a:ext cx="12192000" cy="769441"/>
+          </a:xfrm>
+          <a:prstGeom prst="rect">
+            <a:avLst/>
+          </a:prstGeom>
+          <a:noFill/>
+        </p:spPr>
+        <p:txBody>
+          <a:bodyPr wrap="square" rtlCol="0">
+            <a:spAutoFit/>
+          </a:bodyPr>
+          <a:lstStyle/>
+          <a:p>
+            <a:pPr algn="ctr"/>
+            <a:r>
+              <a:rPr lang="en-US" sz="4400" b="1" dirty="0" smtClean="0">
+                <a:solidFill>
+                  <a:srgbClr val="000066"/>
+                </a:solidFill>
+                <a:latin typeface="Microsoft JhengHei" panose="020B0604030504040204" pitchFamily="34" charset="-120"/>
+                <a:ea typeface="Microsoft JhengHei" panose="020B0604030504040204" pitchFamily="34" charset="-120"/>
+              </a:rPr>
+              <a:t>( </a:t>
+            </a:r>
+            <a:r>
+              <a:rPr lang="zh-CN" altLang="en-US" sz="4400" b="1" dirty="0" smtClean="0">
+                <a:solidFill>
+                  <a:srgbClr val="000066"/>
+                </a:solidFill>
+                <a:latin typeface="Microsoft JhengHei" panose="020B0604030504040204" pitchFamily="34" charset="-120"/>
+                <a:ea typeface="Microsoft JhengHei" panose="020B0604030504040204" pitchFamily="34" charset="-120"/>
+              </a:rPr>
+              <a:t>副 </a:t>
+            </a:r>
+            <a:r>
+              <a:rPr lang="en-US" sz="4400" b="1" dirty="0" smtClean="0">
+                <a:solidFill>
+                  <a:srgbClr val="000066"/>
+                </a:solidFill>
+                <a:latin typeface="Microsoft JhengHei" panose="020B0604030504040204" pitchFamily="34" charset="-120"/>
+                <a:ea typeface="Microsoft JhengHei" panose="020B0604030504040204" pitchFamily="34" charset="-120"/>
+              </a:rPr>
+              <a:t>)</a:t>
+            </a:r>
+            <a:endParaRPr lang="vi-VN" sz="4400" b="1" dirty="0">
+              <a:solidFill>
+                <a:srgbClr val="000066"/>
+              </a:solidFill>
+              <a:ea typeface="Microsoft JhengHei" panose="020B0604030504040204" pitchFamily="34" charset="-120"/>
+            </a:endParaRPr>
+          </a:p>
         </p:txBody>
       </p:sp>
     </p:spTree>
+    <p:extLst>
+      <p:ext uri="{BB962C8B-B14F-4D97-AF65-F5344CB8AC3E}">
+        <p14:creationId xmlns:p14="http://schemas.microsoft.com/office/powerpoint/2010/main" val="3060800981"/>
+      </p:ext>
+    </p:extLst>
   </p:cSld>
   <p:clrMapOvr>
     <a:masterClrMapping/>

--- a/容我寧靜.pptx
+++ b/容我寧靜.pptx
@@ -9,7 +9,7 @@
     <p:sldId id="258" r:id="rId3"/>
     <p:sldId id="257" r:id="rId4"/>
   </p:sldIdLst>
-  <p:sldSz cx="9144000" cy="6858000" type="screen4x3"/>
+  <p:sldSz cx="9144000" cy="5143500" type="screen16x9"/>
   <p:notesSz cx="6858000" cy="9144000"/>
   <p:defaultTextStyle>
     <a:defPPr>
@@ -138,8 +138,8 @@
         </p:nvSpPr>
         <p:spPr>
           <a:xfrm>
-            <a:off x="685800" y="2130425"/>
-            <a:ext cx="7772400" cy="1470025"/>
+            <a:off x="685800" y="1597819"/>
+            <a:ext cx="7772400" cy="1102519"/>
           </a:xfrm>
         </p:spPr>
         <p:txBody>
@@ -166,8 +166,8 @@
         </p:nvSpPr>
         <p:spPr>
           <a:xfrm>
-            <a:off x="1371600" y="3886200"/>
-            <a:ext cx="6400800" cy="1752600"/>
+            <a:off x="1371600" y="2914650"/>
+            <a:ext cx="6400800" cy="1314450"/>
           </a:xfrm>
         </p:spPr>
         <p:txBody>
@@ -291,7 +291,7 @@
             <a:fld id="{E5595432-FB33-4E7B-BE27-1C70122E4CA3}" type="datetimeFigureOut">
               <a:rPr lang="zh-TW" altLang="en-US" smtClean="0"/>
               <a:pPr/>
-              <a:t>2019/11/19</a:t>
+              <a:t>2022/3/22</a:t>
             </a:fld>
             <a:endParaRPr lang="zh-TW" altLang="en-US"/>
           </a:p>
@@ -458,7 +458,7 @@
             <a:fld id="{E5595432-FB33-4E7B-BE27-1C70122E4CA3}" type="datetimeFigureOut">
               <a:rPr lang="zh-TW" altLang="en-US" smtClean="0"/>
               <a:pPr/>
-              <a:t>2019/11/19</a:t>
+              <a:t>2022/3/22</a:t>
             </a:fld>
             <a:endParaRPr lang="zh-TW" altLang="en-US"/>
           </a:p>
@@ -544,8 +544,8 @@
         </p:nvSpPr>
         <p:spPr>
           <a:xfrm>
-            <a:off x="6629400" y="274638"/>
-            <a:ext cx="2057400" cy="5851525"/>
+            <a:off x="6629400" y="205979"/>
+            <a:ext cx="2057400" cy="4388644"/>
           </a:xfrm>
         </p:spPr>
         <p:txBody>
@@ -572,8 +572,8 @@
         </p:nvSpPr>
         <p:spPr>
           <a:xfrm>
-            <a:off x="457200" y="274638"/>
-            <a:ext cx="6019800" cy="5851525"/>
+            <a:off x="457200" y="205979"/>
+            <a:ext cx="6019800" cy="4388644"/>
           </a:xfrm>
         </p:spPr>
         <p:txBody>
@@ -635,7 +635,7 @@
             <a:fld id="{E5595432-FB33-4E7B-BE27-1C70122E4CA3}" type="datetimeFigureOut">
               <a:rPr lang="zh-TW" altLang="en-US" smtClean="0"/>
               <a:pPr/>
-              <a:t>2019/11/19</a:t>
+              <a:t>2022/3/22</a:t>
             </a:fld>
             <a:endParaRPr lang="zh-TW" altLang="en-US"/>
           </a:p>
@@ -802,7 +802,7 @@
             <a:fld id="{E5595432-FB33-4E7B-BE27-1C70122E4CA3}" type="datetimeFigureOut">
               <a:rPr lang="zh-TW" altLang="en-US" smtClean="0"/>
               <a:pPr/>
-              <a:t>2019/11/19</a:t>
+              <a:t>2022/3/22</a:t>
             </a:fld>
             <a:endParaRPr lang="zh-TW" altLang="en-US"/>
           </a:p>
@@ -888,8 +888,8 @@
         </p:nvSpPr>
         <p:spPr>
           <a:xfrm>
-            <a:off x="722313" y="4406900"/>
-            <a:ext cx="7772400" cy="1362075"/>
+            <a:off x="722313" y="3305176"/>
+            <a:ext cx="7772400" cy="1021556"/>
           </a:xfrm>
         </p:spPr>
         <p:txBody>
@@ -920,8 +920,8 @@
         </p:nvSpPr>
         <p:spPr>
           <a:xfrm>
-            <a:off x="722313" y="2906713"/>
-            <a:ext cx="7772400" cy="1500187"/>
+            <a:off x="722313" y="2180035"/>
+            <a:ext cx="7772400" cy="1125140"/>
           </a:xfrm>
         </p:spPr>
         <p:txBody>
@@ -1045,7 +1045,7 @@
             <a:fld id="{E5595432-FB33-4E7B-BE27-1C70122E4CA3}" type="datetimeFigureOut">
               <a:rPr lang="zh-TW" altLang="en-US" smtClean="0"/>
               <a:pPr/>
-              <a:t>2019/11/19</a:t>
+              <a:t>2022/3/22</a:t>
             </a:fld>
             <a:endParaRPr lang="zh-TW" altLang="en-US"/>
           </a:p>
@@ -1154,8 +1154,8 @@
         </p:nvSpPr>
         <p:spPr>
           <a:xfrm>
-            <a:off x="457200" y="1600200"/>
-            <a:ext cx="4038600" cy="4525963"/>
+            <a:off x="457200" y="1200151"/>
+            <a:ext cx="4038600" cy="3394472"/>
           </a:xfrm>
         </p:spPr>
         <p:txBody>
@@ -1239,8 +1239,8 @@
         </p:nvSpPr>
         <p:spPr>
           <a:xfrm>
-            <a:off x="4648200" y="1600200"/>
-            <a:ext cx="4038600" cy="4525963"/>
+            <a:off x="4648200" y="1200151"/>
+            <a:ext cx="4038600" cy="3394472"/>
           </a:xfrm>
         </p:spPr>
         <p:txBody>
@@ -1330,7 +1330,7 @@
             <a:fld id="{E5595432-FB33-4E7B-BE27-1C70122E4CA3}" type="datetimeFigureOut">
               <a:rPr lang="zh-TW" altLang="en-US" smtClean="0"/>
               <a:pPr/>
-              <a:t>2019/11/19</a:t>
+              <a:t>2022/3/22</a:t>
             </a:fld>
             <a:endParaRPr lang="zh-TW" altLang="en-US"/>
           </a:p>
@@ -1443,8 +1443,8 @@
         </p:nvSpPr>
         <p:spPr>
           <a:xfrm>
-            <a:off x="457200" y="1535113"/>
-            <a:ext cx="4040188" cy="639762"/>
+            <a:off x="457200" y="1151335"/>
+            <a:ext cx="4040188" cy="479822"/>
           </a:xfrm>
         </p:spPr>
         <p:txBody>
@@ -1508,8 +1508,8 @@
         </p:nvSpPr>
         <p:spPr>
           <a:xfrm>
-            <a:off x="457200" y="2174875"/>
-            <a:ext cx="4040188" cy="3951288"/>
+            <a:off x="457200" y="1631156"/>
+            <a:ext cx="4040188" cy="2963466"/>
           </a:xfrm>
         </p:spPr>
         <p:txBody>
@@ -1593,8 +1593,8 @@
         </p:nvSpPr>
         <p:spPr>
           <a:xfrm>
-            <a:off x="4645025" y="1535113"/>
-            <a:ext cx="4041775" cy="639762"/>
+            <a:off x="4645026" y="1151335"/>
+            <a:ext cx="4041775" cy="479822"/>
           </a:xfrm>
         </p:spPr>
         <p:txBody>
@@ -1658,8 +1658,8 @@
         </p:nvSpPr>
         <p:spPr>
           <a:xfrm>
-            <a:off x="4645025" y="2174875"/>
-            <a:ext cx="4041775" cy="3951288"/>
+            <a:off x="4645026" y="1631156"/>
+            <a:ext cx="4041775" cy="2963466"/>
           </a:xfrm>
         </p:spPr>
         <p:txBody>
@@ -1749,7 +1749,7 @@
             <a:fld id="{E5595432-FB33-4E7B-BE27-1C70122E4CA3}" type="datetimeFigureOut">
               <a:rPr lang="zh-TW" altLang="en-US" smtClean="0"/>
               <a:pPr/>
-              <a:t>2019/11/19</a:t>
+              <a:t>2022/3/22</a:t>
             </a:fld>
             <a:endParaRPr lang="zh-TW" altLang="en-US"/>
           </a:p>
@@ -1864,7 +1864,7 @@
             <a:fld id="{E5595432-FB33-4E7B-BE27-1C70122E4CA3}" type="datetimeFigureOut">
               <a:rPr lang="zh-TW" altLang="en-US" smtClean="0"/>
               <a:pPr/>
-              <a:t>2019/11/19</a:t>
+              <a:t>2022/3/22</a:t>
             </a:fld>
             <a:endParaRPr lang="zh-TW" altLang="en-US"/>
           </a:p>
@@ -1956,7 +1956,7 @@
             <a:fld id="{E5595432-FB33-4E7B-BE27-1C70122E4CA3}" type="datetimeFigureOut">
               <a:rPr lang="zh-TW" altLang="en-US" smtClean="0"/>
               <a:pPr/>
-              <a:t>2019/11/19</a:t>
+              <a:t>2022/3/22</a:t>
             </a:fld>
             <a:endParaRPr lang="zh-TW" altLang="en-US"/>
           </a:p>
@@ -2042,8 +2042,8 @@
         </p:nvSpPr>
         <p:spPr>
           <a:xfrm>
-            <a:off x="457200" y="273050"/>
-            <a:ext cx="3008313" cy="1162050"/>
+            <a:off x="457201" y="204787"/>
+            <a:ext cx="3008313" cy="871538"/>
           </a:xfrm>
         </p:spPr>
         <p:txBody>
@@ -2074,8 +2074,8 @@
         </p:nvSpPr>
         <p:spPr>
           <a:xfrm>
-            <a:off x="3575050" y="273050"/>
-            <a:ext cx="5111750" cy="5853113"/>
+            <a:off x="3575050" y="204788"/>
+            <a:ext cx="5111750" cy="4389835"/>
           </a:xfrm>
         </p:spPr>
         <p:txBody>
@@ -2159,8 +2159,8 @@
         </p:nvSpPr>
         <p:spPr>
           <a:xfrm>
-            <a:off x="457200" y="1435100"/>
-            <a:ext cx="3008313" cy="4691063"/>
+            <a:off x="457201" y="1076326"/>
+            <a:ext cx="3008313" cy="3518297"/>
           </a:xfrm>
         </p:spPr>
         <p:txBody>
@@ -2230,7 +2230,7 @@
             <a:fld id="{E5595432-FB33-4E7B-BE27-1C70122E4CA3}" type="datetimeFigureOut">
               <a:rPr lang="zh-TW" altLang="en-US" smtClean="0"/>
               <a:pPr/>
-              <a:t>2019/11/19</a:t>
+              <a:t>2022/3/22</a:t>
             </a:fld>
             <a:endParaRPr lang="zh-TW" altLang="en-US"/>
           </a:p>
@@ -2316,8 +2316,8 @@
         </p:nvSpPr>
         <p:spPr>
           <a:xfrm>
-            <a:off x="1792288" y="4800600"/>
-            <a:ext cx="5486400" cy="566738"/>
+            <a:off x="1792288" y="3600450"/>
+            <a:ext cx="5486400" cy="425054"/>
           </a:xfrm>
         </p:spPr>
         <p:txBody>
@@ -2348,8 +2348,8 @@
         </p:nvSpPr>
         <p:spPr>
           <a:xfrm>
-            <a:off x="1792288" y="612775"/>
-            <a:ext cx="5486400" cy="4114800"/>
+            <a:off x="1792288" y="459581"/>
+            <a:ext cx="5486400" cy="3086100"/>
           </a:xfrm>
         </p:spPr>
         <p:txBody>
@@ -2413,8 +2413,8 @@
         </p:nvSpPr>
         <p:spPr>
           <a:xfrm>
-            <a:off x="1792288" y="5367338"/>
-            <a:ext cx="5486400" cy="804862"/>
+            <a:off x="1792288" y="4025503"/>
+            <a:ext cx="5486400" cy="603647"/>
           </a:xfrm>
         </p:spPr>
         <p:txBody>
@@ -2484,7 +2484,7 @@
             <a:fld id="{E5595432-FB33-4E7B-BE27-1C70122E4CA3}" type="datetimeFigureOut">
               <a:rPr lang="zh-TW" altLang="en-US" smtClean="0"/>
               <a:pPr/>
-              <a:t>2019/11/19</a:t>
+              <a:t>2022/3/22</a:t>
             </a:fld>
             <a:endParaRPr lang="zh-TW" altLang="en-US"/>
           </a:p>
@@ -2580,8 +2580,8 @@
         </p:nvSpPr>
         <p:spPr>
           <a:xfrm>
-            <a:off x="457200" y="274638"/>
-            <a:ext cx="8229600" cy="1143000"/>
+            <a:off x="457200" y="205979"/>
+            <a:ext cx="8229600" cy="857250"/>
           </a:xfrm>
           <a:prstGeom prst="rect">
             <a:avLst/>
@@ -2613,8 +2613,8 @@
         </p:nvSpPr>
         <p:spPr>
           <a:xfrm>
-            <a:off x="457200" y="1600200"/>
-            <a:ext cx="8229600" cy="4525963"/>
+            <a:off x="457200" y="1200151"/>
+            <a:ext cx="8229600" cy="3394472"/>
           </a:xfrm>
           <a:prstGeom prst="rect">
             <a:avLst/>
@@ -2675,8 +2675,8 @@
         </p:nvSpPr>
         <p:spPr>
           <a:xfrm>
-            <a:off x="457200" y="6356350"/>
-            <a:ext cx="2133600" cy="365125"/>
+            <a:off x="457200" y="4767263"/>
+            <a:ext cx="2133600" cy="273844"/>
           </a:xfrm>
           <a:prstGeom prst="rect">
             <a:avLst/>
@@ -2699,7 +2699,7 @@
             <a:fld id="{E5595432-FB33-4E7B-BE27-1C70122E4CA3}" type="datetimeFigureOut">
               <a:rPr lang="zh-TW" altLang="en-US" smtClean="0"/>
               <a:pPr/>
-              <a:t>2019/11/19</a:t>
+              <a:t>2022/3/22</a:t>
             </a:fld>
             <a:endParaRPr lang="zh-TW" altLang="en-US"/>
           </a:p>
@@ -2717,8 +2717,8 @@
         </p:nvSpPr>
         <p:spPr>
           <a:xfrm>
-            <a:off x="3124200" y="6356350"/>
-            <a:ext cx="2895600" cy="365125"/>
+            <a:off x="3124200" y="4767263"/>
+            <a:ext cx="2895600" cy="273844"/>
           </a:xfrm>
           <a:prstGeom prst="rect">
             <a:avLst/>
@@ -2754,8 +2754,8 @@
         </p:nvSpPr>
         <p:spPr>
           <a:xfrm>
-            <a:off x="6553200" y="6356350"/>
-            <a:ext cx="2133600" cy="365125"/>
+            <a:off x="6553200" y="4767263"/>
+            <a:ext cx="2133600" cy="273844"/>
           </a:xfrm>
           <a:prstGeom prst="rect">
             <a:avLst/>
@@ -3117,8 +3117,8 @@
         </p:nvSpPr>
         <p:spPr>
           <a:xfrm>
-            <a:off x="0" y="1600200"/>
-            <a:ext cx="9144000" cy="4525963"/>
+            <a:off x="0" y="1200151"/>
+            <a:ext cx="9144000" cy="3394472"/>
           </a:xfrm>
         </p:spPr>
         <p:txBody>
@@ -3131,7 +3131,7 @@
               <a:buNone/>
             </a:pPr>
             <a:r>
-              <a:rPr lang="zh-TW" altLang="en-US" sz="5400" b="1" dirty="0" smtClean="0">
+              <a:rPr lang="zh-TW" altLang="en-US" sz="4800" b="1" dirty="0" smtClean="0">
                 <a:solidFill>
                   <a:srgbClr val="000066"/>
                 </a:solidFill>
@@ -3140,7 +3140,7 @@
               </a:rPr>
               <a:t>晨曦之中  我尋求神話語</a:t>
             </a:r>
-            <a:endParaRPr lang="en-US" altLang="zh-TW" sz="5400" b="1" dirty="0" smtClean="0">
+            <a:endParaRPr lang="en-US" altLang="zh-TW" sz="4800" b="1" dirty="0" smtClean="0">
               <a:solidFill>
                 <a:srgbClr val="000066"/>
               </a:solidFill>
@@ -3153,7 +3153,7 @@
               <a:buNone/>
             </a:pPr>
             <a:r>
-              <a:rPr lang="zh-TW" altLang="en-US" sz="5400" b="1" dirty="0" smtClean="0">
+              <a:rPr lang="zh-TW" altLang="en-US" sz="4800" b="1" dirty="0" smtClean="0">
                 <a:solidFill>
                   <a:srgbClr val="000066"/>
                 </a:solidFill>
@@ -3162,7 +3162,7 @@
               </a:rPr>
               <a:t>每分一刻感激主多愛寵</a:t>
             </a:r>
-            <a:endParaRPr lang="en-US" altLang="zh-TW" sz="5400" b="1" dirty="0" smtClean="0">
+            <a:endParaRPr lang="en-US" altLang="zh-TW" sz="4800" b="1" dirty="0" smtClean="0">
               <a:solidFill>
                 <a:srgbClr val="000066"/>
               </a:solidFill>
@@ -3175,7 +3175,7 @@
               <a:buNone/>
             </a:pPr>
             <a:r>
-              <a:rPr lang="zh-TW" altLang="en-US" sz="5400" b="1" dirty="0" smtClean="0">
+              <a:rPr lang="zh-TW" altLang="en-US" sz="4800" b="1" dirty="0" smtClean="0">
                 <a:solidFill>
                   <a:srgbClr val="000066"/>
                 </a:solidFill>
@@ -3184,7 +3184,7 @@
               </a:rPr>
               <a:t>日光之中人流離在多變世俗裡</a:t>
             </a:r>
-            <a:endParaRPr lang="en-US" altLang="zh-TW" sz="5400" b="1" dirty="0" smtClean="0">
+            <a:endParaRPr lang="en-US" altLang="zh-TW" sz="4800" b="1" dirty="0" smtClean="0">
               <a:solidFill>
                 <a:srgbClr val="000066"/>
               </a:solidFill>
@@ -3197,7 +3197,7 @@
               <a:buNone/>
             </a:pPr>
             <a:r>
-              <a:rPr lang="zh-TW" altLang="en-US" sz="5400" b="1" dirty="0" smtClean="0">
+              <a:rPr lang="zh-TW" altLang="en-US" sz="4800" b="1" dirty="0" smtClean="0">
                 <a:solidFill>
                   <a:srgbClr val="000066"/>
                 </a:solidFill>
@@ -3206,7 +3206,7 @@
               </a:rPr>
               <a:t>啊聖靈  求你引導我禱</a:t>
             </a:r>
-            <a:endParaRPr lang="zh-TW" altLang="en-US" sz="5400" b="1" dirty="0">
+            <a:endParaRPr lang="zh-TW" altLang="en-US" sz="4800" b="1" dirty="0">
               <a:solidFill>
                 <a:srgbClr val="000066"/>
               </a:solidFill>
@@ -3226,8 +3226,8 @@
         </p:nvSpPr>
         <p:spPr>
           <a:xfrm>
-            <a:off x="0" y="6500834"/>
-            <a:ext cx="1357290" cy="357166"/>
+            <a:off x="0" y="4875625"/>
+            <a:ext cx="1357290" cy="267875"/>
           </a:xfrm>
           <a:prstGeom prst="rect">
             <a:avLst/>
@@ -3235,7 +3235,7 @@
         </p:spPr>
         <p:txBody>
           <a:bodyPr vert="horz" lIns="91440" tIns="45720" rIns="91440" bIns="45720" rtlCol="0" anchor="ctr">
-            <a:normAutofit/>
+            <a:normAutofit fontScale="92500" lnSpcReduction="20000"/>
           </a:bodyPr>
           <a:lstStyle/>
           <a:p>
@@ -3379,8 +3379,8 @@
         </p:nvSpPr>
         <p:spPr>
           <a:xfrm>
-            <a:off x="0" y="1600200"/>
-            <a:ext cx="9144000" cy="4525963"/>
+            <a:off x="0" y="1200151"/>
+            <a:ext cx="9144000" cy="3394472"/>
           </a:xfrm>
         </p:spPr>
         <p:txBody>
@@ -3393,7 +3393,7 @@
               <a:buNone/>
             </a:pPr>
             <a:r>
-              <a:rPr lang="zh-TW" altLang="en-US" sz="5400" b="1" dirty="0" smtClean="0">
+              <a:rPr lang="zh-TW" altLang="en-US" sz="4800" b="1" dirty="0" smtClean="0">
                 <a:solidFill>
                   <a:srgbClr val="000066"/>
                 </a:solidFill>
@@ -3402,7 +3402,7 @@
               </a:rPr>
               <a:t>晨曦之中  我尋求神話語</a:t>
             </a:r>
-            <a:endParaRPr lang="en-US" altLang="zh-TW" sz="5400" b="1" dirty="0" smtClean="0">
+            <a:endParaRPr lang="en-US" altLang="zh-TW" sz="4800" b="1" dirty="0" smtClean="0">
               <a:solidFill>
                 <a:srgbClr val="000066"/>
               </a:solidFill>
@@ -3415,7 +3415,7 @@
               <a:buNone/>
             </a:pPr>
             <a:r>
-              <a:rPr lang="zh-TW" altLang="en-US" sz="5400" b="1" dirty="0" smtClean="0">
+              <a:rPr lang="zh-TW" altLang="en-US" sz="4800" b="1" dirty="0" smtClean="0">
                 <a:solidFill>
                   <a:srgbClr val="000066"/>
                 </a:solidFill>
@@ -3424,7 +3424,7 @@
               </a:rPr>
               <a:t>每分一刻感激主多愛寵</a:t>
             </a:r>
-            <a:endParaRPr lang="en-US" altLang="zh-TW" sz="5400" b="1" dirty="0" smtClean="0">
+            <a:endParaRPr lang="en-US" altLang="zh-TW" sz="4800" b="1" dirty="0" smtClean="0">
               <a:solidFill>
                 <a:srgbClr val="000066"/>
               </a:solidFill>
@@ -3437,7 +3437,7 @@
               <a:buNone/>
             </a:pPr>
             <a:r>
-              <a:rPr lang="zh-TW" altLang="en-US" sz="5400" b="1" dirty="0" smtClean="0">
+              <a:rPr lang="zh-TW" altLang="en-US" sz="4800" b="1" dirty="0" smtClean="0">
                 <a:solidFill>
                   <a:srgbClr val="000066"/>
                 </a:solidFill>
@@ -3446,7 +3446,7 @@
               </a:rPr>
               <a:t>日光之中人流離在多變世俗裡</a:t>
             </a:r>
-            <a:endParaRPr lang="en-US" altLang="zh-TW" sz="5400" b="1" dirty="0" smtClean="0">
+            <a:endParaRPr lang="en-US" altLang="zh-TW" sz="4800" b="1" dirty="0" smtClean="0">
               <a:solidFill>
                 <a:srgbClr val="000066"/>
               </a:solidFill>
@@ -3459,27 +3459,17 @@
               <a:buNone/>
             </a:pPr>
             <a:r>
-              <a:rPr lang="zh-TW" altLang="en-US" sz="5400" b="1" dirty="0" smtClean="0">
+              <a:rPr lang="zh-TW" altLang="en-US" sz="4800" b="1" dirty="0" smtClean="0">
                 <a:solidFill>
                   <a:srgbClr val="000066"/>
                 </a:solidFill>
                 <a:latin typeface="微軟正黑體" pitchFamily="34" charset="-120"/>
                 <a:ea typeface="微軟正黑體" pitchFamily="34" charset="-120"/>
               </a:rPr>
-              <a:t>啊聖靈  求你</a:t>
-            </a:r>
-            <a:r>
-              <a:rPr lang="zh-TW" altLang="en-US" sz="5400" b="1" dirty="0" smtClean="0">
-                <a:solidFill>
-                  <a:srgbClr val="000066"/>
-                </a:solidFill>
-                <a:latin typeface="微軟正黑體" pitchFamily="34" charset="-120"/>
-                <a:ea typeface="微軟正黑體" pitchFamily="34" charset="-120"/>
-              </a:rPr>
-              <a:t>引</a:t>
-            </a:r>
-            <a:r>
-              <a:rPr lang="zh-CN" altLang="en-US" sz="5400" b="1" dirty="0" smtClean="0">
+              <a:t>啊聖靈  求你引</a:t>
+            </a:r>
+            <a:r>
+              <a:rPr lang="zh-CN" altLang="en-US" sz="4800" b="1" dirty="0" smtClean="0">
                 <a:solidFill>
                   <a:srgbClr val="000066"/>
                 </a:solidFill>
@@ -3488,7 +3478,7 @@
               </a:rPr>
               <a:t>潔淨我心</a:t>
             </a:r>
-            <a:endParaRPr lang="en-US" altLang="zh-CN" sz="5400" b="1" dirty="0" smtClean="0">
+            <a:endParaRPr lang="en-US" altLang="zh-CN" sz="4800" b="1" dirty="0" smtClean="0">
               <a:solidFill>
                 <a:srgbClr val="000066"/>
               </a:solidFill>
@@ -3520,8 +3510,8 @@
         </p:nvSpPr>
         <p:spPr>
           <a:xfrm>
-            <a:off x="0" y="6500834"/>
-            <a:ext cx="1357290" cy="357166"/>
+            <a:off x="0" y="4875625"/>
+            <a:ext cx="1357290" cy="267875"/>
           </a:xfrm>
           <a:prstGeom prst="rect">
             <a:avLst/>
@@ -3529,7 +3519,7 @@
         </p:spPr>
         <p:txBody>
           <a:bodyPr vert="horz" lIns="91440" tIns="45720" rIns="91440" bIns="45720" rtlCol="0" anchor="ctr">
-            <a:normAutofit/>
+            <a:normAutofit fontScale="92500" lnSpcReduction="20000"/>
           </a:bodyPr>
           <a:lstStyle/>
           <a:p>
@@ -3638,8 +3628,8 @@
         </p:nvSpPr>
         <p:spPr>
           <a:xfrm>
-            <a:off x="0" y="260359"/>
-            <a:ext cx="9144000" cy="5954723"/>
+            <a:off x="0" y="195270"/>
+            <a:ext cx="9144000" cy="4466042"/>
           </a:xfrm>
         </p:spPr>
         <p:txBody>
@@ -3652,7 +3642,7 @@
               <a:buNone/>
             </a:pPr>
             <a:r>
-              <a:rPr lang="zh-TW" altLang="en-US" sz="5400" b="1" dirty="0" smtClean="0">
+              <a:rPr lang="zh-TW" altLang="en-US" sz="4400" b="1" dirty="0" smtClean="0">
                 <a:solidFill>
                   <a:srgbClr val="000066"/>
                 </a:solidFill>
@@ -3661,7 +3651,7 @@
               </a:rPr>
               <a:t>容我寧靜  聽候在你的跟前</a:t>
             </a:r>
-            <a:endParaRPr lang="en-US" altLang="zh-TW" sz="5400" b="1" dirty="0" smtClean="0">
+            <a:endParaRPr lang="en-US" altLang="zh-TW" sz="4400" b="1" dirty="0" smtClean="0">
               <a:solidFill>
                 <a:srgbClr val="000066"/>
               </a:solidFill>
@@ -3674,7 +3664,7 @@
               <a:buNone/>
             </a:pPr>
             <a:r>
-              <a:rPr lang="zh-TW" altLang="en-US" sz="5400" b="1" dirty="0" smtClean="0">
+              <a:rPr lang="zh-TW" altLang="en-US" sz="4400" b="1" dirty="0" smtClean="0">
                 <a:solidFill>
                   <a:srgbClr val="000066"/>
                 </a:solidFill>
@@ -3683,7 +3673,7 @@
               </a:rPr>
               <a:t>一心一意  願尋求你的旨意</a:t>
             </a:r>
-            <a:endParaRPr lang="en-US" altLang="zh-TW" sz="5400" b="1" dirty="0" smtClean="0">
+            <a:endParaRPr lang="en-US" altLang="zh-TW" sz="4400" b="1" dirty="0" smtClean="0">
               <a:solidFill>
                 <a:srgbClr val="000066"/>
               </a:solidFill>
@@ -3696,7 +3686,7 @@
               <a:buNone/>
             </a:pPr>
             <a:r>
-              <a:rPr lang="zh-TW" altLang="en-US" sz="5400" b="1" dirty="0" smtClean="0">
+              <a:rPr lang="zh-TW" altLang="en-US" sz="4400" b="1" dirty="0" smtClean="0">
                 <a:solidFill>
                   <a:srgbClr val="000066"/>
                 </a:solidFill>
@@ -3705,7 +3695,7 @@
               </a:rPr>
               <a:t>藏你懷內</a:t>
             </a:r>
-            <a:endParaRPr lang="en-US" altLang="zh-TW" sz="5400" b="1" dirty="0" smtClean="0">
+            <a:endParaRPr lang="en-US" altLang="zh-TW" sz="4400" b="1" dirty="0" smtClean="0">
               <a:solidFill>
                 <a:srgbClr val="000066"/>
               </a:solidFill>
@@ -3718,7 +3708,7 @@
               <a:buNone/>
             </a:pPr>
             <a:r>
-              <a:rPr lang="zh-TW" altLang="en-US" sz="5400" b="1" dirty="0" smtClean="0">
+              <a:rPr lang="zh-TW" altLang="en-US" sz="4400" b="1" dirty="0" smtClean="0">
                 <a:solidFill>
                   <a:srgbClr val="000066"/>
                 </a:solidFill>
@@ -3727,7 +3717,7 @@
               </a:rPr>
               <a:t>看萬事變得空虛光輝不再</a:t>
             </a:r>
-            <a:endParaRPr lang="en-US" altLang="zh-TW" sz="5400" b="1" dirty="0" smtClean="0">
+            <a:endParaRPr lang="en-US" altLang="zh-TW" sz="4400" b="1" dirty="0" smtClean="0">
               <a:solidFill>
                 <a:srgbClr val="000066"/>
               </a:solidFill>
@@ -3740,7 +3730,7 @@
               <a:buNone/>
             </a:pPr>
             <a:r>
-              <a:rPr lang="zh-TW" altLang="en-US" sz="5400" b="1" dirty="0" smtClean="0">
+              <a:rPr lang="zh-TW" altLang="en-US" sz="4400" b="1" dirty="0" smtClean="0">
                 <a:solidFill>
                   <a:srgbClr val="000066"/>
                 </a:solidFill>
@@ -3749,7 +3739,7 @@
               </a:rPr>
               <a:t>願我此刻知你是神</a:t>
             </a:r>
-            <a:endParaRPr lang="en-US" altLang="zh-TW" sz="5400" b="1" dirty="0" smtClean="0">
+            <a:endParaRPr lang="en-US" altLang="zh-TW" sz="4400" b="1" dirty="0" smtClean="0">
               <a:solidFill>
                 <a:srgbClr val="000066"/>
               </a:solidFill>
@@ -3762,7 +3752,7 @@
               <a:buNone/>
             </a:pPr>
             <a:r>
-              <a:rPr lang="zh-TW" altLang="en-US" sz="5400" b="1" dirty="0" smtClean="0">
+              <a:rPr lang="zh-TW" altLang="en-US" sz="4400" b="1" dirty="0" smtClean="0">
                 <a:solidFill>
                   <a:srgbClr val="000066"/>
                 </a:solidFill>
@@ -3771,7 +3761,7 @@
               </a:rPr>
               <a:t>願我得享安息  在你手裡</a:t>
             </a:r>
-            <a:endParaRPr lang="zh-TW" altLang="en-US" sz="5400" b="1" dirty="0">
+            <a:endParaRPr lang="zh-TW" altLang="en-US" sz="4400" b="1" dirty="0">
               <a:solidFill>
                 <a:srgbClr val="000066"/>
               </a:solidFill>
@@ -3791,8 +3781,8 @@
         </p:nvSpPr>
         <p:spPr>
           <a:xfrm>
-            <a:off x="0" y="6500834"/>
-            <a:ext cx="1357290" cy="357166"/>
+            <a:off x="0" y="4875625"/>
+            <a:ext cx="1357290" cy="267875"/>
           </a:xfrm>
           <a:prstGeom prst="rect">
             <a:avLst/>
@@ -3800,7 +3790,7 @@
         </p:spPr>
         <p:txBody>
           <a:bodyPr vert="horz" lIns="91440" tIns="45720" rIns="91440" bIns="45720" rtlCol="0" anchor="ctr">
-            <a:normAutofit/>
+            <a:normAutofit fontScale="92500" lnSpcReduction="20000"/>
           </a:bodyPr>
           <a:lstStyle/>
           <a:p>
